--- a/PNEAD.pptx
+++ b/PNEAD.pptx
@@ -114,7 +114,7 @@
   </p:defaultTextStyle>
   <p:extLst>
     <p:ext uri="{EFAFB233-063F-42B5-8137-9DF3F51BA10A}">
-      <p15:sldGuideLst xmlns:p15="http://schemas.microsoft.com/office/powerpoint/2012/main"/>
+      <p15:sldGuideLst xmlns="" xmlns:p15="http://schemas.microsoft.com/office/powerpoint/2012/main"/>
     </p:ext>
   </p:extLst>
 </p:presentation>
@@ -176,8 +176,8 @@
           </a:prstGeom>
           <a:noFill/>
           <a:extLst>
-            <a:ext uri="{909E8E84-426E-40dd-AFC4-6F175D3DCCD1}">
-              <a14:hiddenFill xmlns="" xmlns:a14="http://schemas.microsoft.com/office/drawing/2010/main">
+            <a:ext uri="{909E8E84-426E-40DD-AFC4-6F175D3DCCD1}">
+              <a14:hiddenFill xmlns:a14="http://schemas.microsoft.com/office/drawing/2010/main">
                 <a:solidFill>
                   <a:srgbClr val="FFFFFF"/>
                 </a:solidFill>
@@ -235,8 +235,8 @@
               <a:noFill/>
             </a:ln>
             <a:extLst>
-              <a:ext uri="{91240B29-F687-4f45-9708-019B960494DF}">
-                <a14:hiddenLine xmlns="" xmlns:a14="http://schemas.microsoft.com/office/drawing/2010/main" w="9525">
+              <a:ext uri="{91240B29-F687-4F45-9708-019B960494DF}">
+                <a14:hiddenLine xmlns:a14="http://schemas.microsoft.com/office/drawing/2010/main" w="9525">
                   <a:solidFill>
                     <a:srgbClr val="000000"/>
                   </a:solidFill>
@@ -325,8 +325,8 @@
               <a:noFill/>
             </a:ln>
             <a:extLst>
-              <a:ext uri="{91240B29-F687-4f45-9708-019B960494DF}">
-                <a14:hiddenLine xmlns="" xmlns:a14="http://schemas.microsoft.com/office/drawing/2010/main" w="9525">
+              <a:ext uri="{91240B29-F687-4F45-9708-019B960494DF}">
+                <a14:hiddenLine xmlns:a14="http://schemas.microsoft.com/office/drawing/2010/main" w="9525">
                   <a:solidFill>
                     <a:srgbClr val="000000"/>
                   </a:solidFill>
@@ -415,8 +415,8 @@
               <a:noFill/>
             </a:ln>
             <a:extLst>
-              <a:ext uri="{91240B29-F687-4f45-9708-019B960494DF}">
-                <a14:hiddenLine xmlns="" xmlns:a14="http://schemas.microsoft.com/office/drawing/2010/main" w="9525">
+              <a:ext uri="{91240B29-F687-4F45-9708-019B960494DF}">
+                <a14:hiddenLine xmlns:a14="http://schemas.microsoft.com/office/drawing/2010/main" w="9525">
                   <a:solidFill>
                     <a:srgbClr val="000000"/>
                   </a:solidFill>
@@ -449,8 +449,8 @@
               <a:noFill/>
             </a:ln>
             <a:extLst>
-              <a:ext uri="{91240B29-F687-4f45-9708-019B960494DF}">
-                <a14:hiddenLine xmlns="" xmlns:a14="http://schemas.microsoft.com/office/drawing/2010/main" w="9525">
+              <a:ext uri="{91240B29-F687-4F45-9708-019B960494DF}">
+                <a14:hiddenLine xmlns:a14="http://schemas.microsoft.com/office/drawing/2010/main" w="9525">
                   <a:solidFill>
                     <a:srgbClr val="000000"/>
                   </a:solidFill>
@@ -539,8 +539,8 @@
               <a:noFill/>
             </a:ln>
             <a:extLst>
-              <a:ext uri="{91240B29-F687-4f45-9708-019B960494DF}">
-                <a14:hiddenLine xmlns="" xmlns:a14="http://schemas.microsoft.com/office/drawing/2010/main" w="9525">
+              <a:ext uri="{91240B29-F687-4F45-9708-019B960494DF}">
+                <a14:hiddenLine xmlns:a14="http://schemas.microsoft.com/office/drawing/2010/main" w="9525">
                   <a:solidFill>
                     <a:srgbClr val="000000"/>
                   </a:solidFill>
@@ -601,8 +601,8 @@
               <a:noFill/>
             </a:ln>
             <a:extLst>
-              <a:ext uri="{91240B29-F687-4f45-9708-019B960494DF}">
-                <a14:hiddenLine xmlns="" xmlns:a14="http://schemas.microsoft.com/office/drawing/2010/main" w="9525">
+              <a:ext uri="{91240B29-F687-4F45-9708-019B960494DF}">
+                <a14:hiddenLine xmlns:a14="http://schemas.microsoft.com/office/drawing/2010/main" w="9525">
                   <a:solidFill>
                     <a:srgbClr val="000000"/>
                   </a:solidFill>
@@ -663,8 +663,8 @@
               <a:noFill/>
             </a:ln>
             <a:extLst>
-              <a:ext uri="{91240B29-F687-4f45-9708-019B960494DF}">
-                <a14:hiddenLine xmlns="" xmlns:a14="http://schemas.microsoft.com/office/drawing/2010/main" w="9525">
+              <a:ext uri="{91240B29-F687-4F45-9708-019B960494DF}">
+                <a14:hiddenLine xmlns:a14="http://schemas.microsoft.com/office/drawing/2010/main" w="9525">
                   <a:solidFill>
                     <a:srgbClr val="000000"/>
                   </a:solidFill>
@@ -753,8 +753,8 @@
               <a:noFill/>
             </a:ln>
             <a:extLst>
-              <a:ext uri="{91240B29-F687-4f45-9708-019B960494DF}">
-                <a14:hiddenLine xmlns="" xmlns:a14="http://schemas.microsoft.com/office/drawing/2010/main" w="9525">
+              <a:ext uri="{91240B29-F687-4F45-9708-019B960494DF}">
+                <a14:hiddenLine xmlns:a14="http://schemas.microsoft.com/office/drawing/2010/main" w="9525">
                   <a:solidFill>
                     <a:srgbClr val="000000"/>
                   </a:solidFill>
@@ -815,8 +815,8 @@
               <a:noFill/>
             </a:ln>
             <a:extLst>
-              <a:ext uri="{91240B29-F687-4f45-9708-019B960494DF}">
-                <a14:hiddenLine xmlns="" xmlns:a14="http://schemas.microsoft.com/office/drawing/2010/main" w="9525">
+              <a:ext uri="{91240B29-F687-4F45-9708-019B960494DF}">
+                <a14:hiddenLine xmlns:a14="http://schemas.microsoft.com/office/drawing/2010/main" w="9525">
                   <a:solidFill>
                     <a:srgbClr val="000000"/>
                   </a:solidFill>
@@ -877,8 +877,8 @@
               <a:noFill/>
             </a:ln>
             <a:extLst>
-              <a:ext uri="{91240B29-F687-4f45-9708-019B960494DF}">
-                <a14:hiddenLine xmlns="" xmlns:a14="http://schemas.microsoft.com/office/drawing/2010/main" w="9525">
+              <a:ext uri="{91240B29-F687-4F45-9708-019B960494DF}">
+                <a14:hiddenLine xmlns:a14="http://schemas.microsoft.com/office/drawing/2010/main" w="9525">
                   <a:solidFill>
                     <a:srgbClr val="000000"/>
                   </a:solidFill>
@@ -967,8 +967,8 @@
               <a:noFill/>
             </a:ln>
             <a:extLst>
-              <a:ext uri="{91240B29-F687-4f45-9708-019B960494DF}">
-                <a14:hiddenLine xmlns="" xmlns:a14="http://schemas.microsoft.com/office/drawing/2010/main" w="9525">
+              <a:ext uri="{91240B29-F687-4F45-9708-019B960494DF}">
+                <a14:hiddenLine xmlns:a14="http://schemas.microsoft.com/office/drawing/2010/main" w="9525">
                   <a:solidFill>
                     <a:srgbClr val="000000"/>
                   </a:solidFill>
@@ -1057,8 +1057,8 @@
               <a:noFill/>
             </a:ln>
             <a:extLst>
-              <a:ext uri="{91240B29-F687-4f45-9708-019B960494DF}">
-                <a14:hiddenLine xmlns="" xmlns:a14="http://schemas.microsoft.com/office/drawing/2010/main" w="9525">
+              <a:ext uri="{91240B29-F687-4F45-9708-019B960494DF}">
+                <a14:hiddenLine xmlns:a14="http://schemas.microsoft.com/office/drawing/2010/main" w="9525">
                   <a:solidFill>
                     <a:srgbClr val="000000"/>
                   </a:solidFill>
@@ -1119,8 +1119,8 @@
               <a:noFill/>
             </a:ln>
             <a:extLst>
-              <a:ext uri="{91240B29-F687-4f45-9708-019B960494DF}">
-                <a14:hiddenLine xmlns="" xmlns:a14="http://schemas.microsoft.com/office/drawing/2010/main" w="9525">
+              <a:ext uri="{91240B29-F687-4F45-9708-019B960494DF}">
+                <a14:hiddenLine xmlns:a14="http://schemas.microsoft.com/office/drawing/2010/main" w="9525">
                   <a:solidFill>
                     <a:srgbClr val="000000"/>
                   </a:solidFill>
@@ -1229,8 +1229,8 @@
               <a:noFill/>
             </a:ln>
             <a:extLst>
-              <a:ext uri="{91240B29-F687-4f45-9708-019B960494DF}">
-                <a14:hiddenLine xmlns="" xmlns:a14="http://schemas.microsoft.com/office/drawing/2010/main" w="9525">
+              <a:ext uri="{91240B29-F687-4F45-9708-019B960494DF}">
+                <a14:hiddenLine xmlns:a14="http://schemas.microsoft.com/office/drawing/2010/main" w="9525">
                   <a:solidFill>
                     <a:srgbClr val="000000"/>
                   </a:solidFill>
@@ -1291,8 +1291,8 @@
               <a:noFill/>
             </a:ln>
             <a:extLst>
-              <a:ext uri="{91240B29-F687-4f45-9708-019B960494DF}">
-                <a14:hiddenLine xmlns="" xmlns:a14="http://schemas.microsoft.com/office/drawing/2010/main" w="9525">
+              <a:ext uri="{91240B29-F687-4F45-9708-019B960494DF}">
+                <a14:hiddenLine xmlns:a14="http://schemas.microsoft.com/office/drawing/2010/main" w="9525">
                   <a:solidFill>
                     <a:srgbClr val="000000"/>
                   </a:solidFill>
@@ -1381,8 +1381,8 @@
               <a:noFill/>
             </a:ln>
             <a:extLst>
-              <a:ext uri="{91240B29-F687-4f45-9708-019B960494DF}">
-                <a14:hiddenLine xmlns="" xmlns:a14="http://schemas.microsoft.com/office/drawing/2010/main" w="9525">
+              <a:ext uri="{91240B29-F687-4F45-9708-019B960494DF}">
+                <a14:hiddenLine xmlns:a14="http://schemas.microsoft.com/office/drawing/2010/main" w="9525">
                   <a:solidFill>
                     <a:srgbClr val="000000"/>
                   </a:solidFill>
@@ -1471,8 +1471,8 @@
               <a:noFill/>
             </a:ln>
             <a:extLst>
-              <a:ext uri="{91240B29-F687-4f45-9708-019B960494DF}">
-                <a14:hiddenLine xmlns="" xmlns:a14="http://schemas.microsoft.com/office/drawing/2010/main" w="9525">
+              <a:ext uri="{91240B29-F687-4F45-9708-019B960494DF}">
+                <a14:hiddenLine xmlns:a14="http://schemas.microsoft.com/office/drawing/2010/main" w="9525">
                   <a:solidFill>
                     <a:srgbClr val="000000"/>
                   </a:solidFill>
@@ -1533,8 +1533,8 @@
               <a:noFill/>
             </a:ln>
             <a:extLst>
-              <a:ext uri="{91240B29-F687-4f45-9708-019B960494DF}">
-                <a14:hiddenLine xmlns="" xmlns:a14="http://schemas.microsoft.com/office/drawing/2010/main" w="9525">
+              <a:ext uri="{91240B29-F687-4F45-9708-019B960494DF}">
+                <a14:hiddenLine xmlns:a14="http://schemas.microsoft.com/office/drawing/2010/main" w="9525">
                   <a:solidFill>
                     <a:srgbClr val="000000"/>
                   </a:solidFill>
@@ -1623,8 +1623,8 @@
               <a:noFill/>
             </a:ln>
             <a:extLst>
-              <a:ext uri="{91240B29-F687-4f45-9708-019B960494DF}">
-                <a14:hiddenLine xmlns="" xmlns:a14="http://schemas.microsoft.com/office/drawing/2010/main" w="9525">
+              <a:ext uri="{91240B29-F687-4F45-9708-019B960494DF}">
+                <a14:hiddenLine xmlns:a14="http://schemas.microsoft.com/office/drawing/2010/main" w="9525">
                   <a:solidFill>
                     <a:srgbClr val="000000"/>
                   </a:solidFill>
@@ -1713,8 +1713,8 @@
               <a:noFill/>
             </a:ln>
             <a:extLst>
-              <a:ext uri="{91240B29-F687-4f45-9708-019B960494DF}">
-                <a14:hiddenLine xmlns="" xmlns:a14="http://schemas.microsoft.com/office/drawing/2010/main" w="9525">
+              <a:ext uri="{91240B29-F687-4F45-9708-019B960494DF}">
+                <a14:hiddenLine xmlns:a14="http://schemas.microsoft.com/office/drawing/2010/main" w="9525">
                   <a:solidFill>
                     <a:srgbClr val="000000"/>
                   </a:solidFill>
@@ -1769,8 +1769,8 @@
               <a:noFill/>
             </a:ln>
             <a:extLst>
-              <a:ext uri="{91240B29-F687-4f45-9708-019B960494DF}">
-                <a14:hiddenLine xmlns="" xmlns:a14="http://schemas.microsoft.com/office/drawing/2010/main" w="9525">
+              <a:ext uri="{91240B29-F687-4F45-9708-019B960494DF}">
+                <a14:hiddenLine xmlns:a14="http://schemas.microsoft.com/office/drawing/2010/main" w="9525">
                   <a:solidFill>
                     <a:srgbClr val="000000"/>
                   </a:solidFill>
@@ -1859,8 +1859,8 @@
               <a:noFill/>
             </a:ln>
             <a:extLst>
-              <a:ext uri="{91240B29-F687-4f45-9708-019B960494DF}">
-                <a14:hiddenLine xmlns="" xmlns:a14="http://schemas.microsoft.com/office/drawing/2010/main" w="9525">
+              <a:ext uri="{91240B29-F687-4F45-9708-019B960494DF}">
+                <a14:hiddenLine xmlns:a14="http://schemas.microsoft.com/office/drawing/2010/main" w="9525">
                   <a:solidFill>
                     <a:srgbClr val="000000"/>
                   </a:solidFill>
@@ -1915,8 +1915,8 @@
               <a:noFill/>
             </a:ln>
             <a:extLst>
-              <a:ext uri="{91240B29-F687-4f45-9708-019B960494DF}">
-                <a14:hiddenLine xmlns="" xmlns:a14="http://schemas.microsoft.com/office/drawing/2010/main" w="9525">
+              <a:ext uri="{91240B29-F687-4F45-9708-019B960494DF}">
+                <a14:hiddenLine xmlns:a14="http://schemas.microsoft.com/office/drawing/2010/main" w="9525">
                   <a:solidFill>
                     <a:srgbClr val="000000"/>
                   </a:solidFill>
@@ -2005,8 +2005,8 @@
               <a:noFill/>
             </a:ln>
             <a:extLst>
-              <a:ext uri="{91240B29-F687-4f45-9708-019B960494DF}">
-                <a14:hiddenLine xmlns="" xmlns:a14="http://schemas.microsoft.com/office/drawing/2010/main" w="9525">
+              <a:ext uri="{91240B29-F687-4F45-9708-019B960494DF}">
+                <a14:hiddenLine xmlns:a14="http://schemas.microsoft.com/office/drawing/2010/main" w="9525">
                   <a:solidFill>
                     <a:srgbClr val="000000"/>
                   </a:solidFill>
@@ -2073,8 +2073,8 @@
               <a:noFill/>
             </a:ln>
             <a:extLst>
-              <a:ext uri="{91240B29-F687-4f45-9708-019B960494DF}">
-                <a14:hiddenLine xmlns="" xmlns:a14="http://schemas.microsoft.com/office/drawing/2010/main" w="9525">
+              <a:ext uri="{91240B29-F687-4F45-9708-019B960494DF}">
+                <a14:hiddenLine xmlns:a14="http://schemas.microsoft.com/office/drawing/2010/main" w="9525">
                   <a:solidFill>
                     <a:srgbClr val="000000"/>
                   </a:solidFill>
@@ -2163,8 +2163,8 @@
               <a:noFill/>
             </a:ln>
             <a:extLst>
-              <a:ext uri="{91240B29-F687-4f45-9708-019B960494DF}">
-                <a14:hiddenLine xmlns="" xmlns:a14="http://schemas.microsoft.com/office/drawing/2010/main" w="9525">
+              <a:ext uri="{91240B29-F687-4F45-9708-019B960494DF}">
+                <a14:hiddenLine xmlns:a14="http://schemas.microsoft.com/office/drawing/2010/main" w="9525">
                   <a:solidFill>
                     <a:srgbClr val="000000"/>
                   </a:solidFill>
@@ -2231,8 +2231,8 @@
               <a:noFill/>
             </a:ln>
             <a:extLst>
-              <a:ext uri="{91240B29-F687-4f45-9708-019B960494DF}">
-                <a14:hiddenLine xmlns="" xmlns:a14="http://schemas.microsoft.com/office/drawing/2010/main" w="9525">
+              <a:ext uri="{91240B29-F687-4F45-9708-019B960494DF}">
+                <a14:hiddenLine xmlns:a14="http://schemas.microsoft.com/office/drawing/2010/main" w="9525">
                   <a:solidFill>
                     <a:srgbClr val="000000"/>
                   </a:solidFill>
@@ -2321,8 +2321,8 @@
               <a:noFill/>
             </a:ln>
             <a:extLst>
-              <a:ext uri="{91240B29-F687-4f45-9708-019B960494DF}">
-                <a14:hiddenLine xmlns="" xmlns:a14="http://schemas.microsoft.com/office/drawing/2010/main" w="9525">
+              <a:ext uri="{91240B29-F687-4F45-9708-019B960494DF}">
+                <a14:hiddenLine xmlns:a14="http://schemas.microsoft.com/office/drawing/2010/main" w="9525">
                   <a:solidFill>
                     <a:srgbClr val="000000"/>
                   </a:solidFill>
@@ -2355,8 +2355,8 @@
               <a:noFill/>
             </a:ln>
             <a:extLst>
-              <a:ext uri="{91240B29-F687-4f45-9708-019B960494DF}">
-                <a14:hiddenLine xmlns="" xmlns:a14="http://schemas.microsoft.com/office/drawing/2010/main" w="9525">
+              <a:ext uri="{91240B29-F687-4F45-9708-019B960494DF}">
+                <a14:hiddenLine xmlns:a14="http://schemas.microsoft.com/office/drawing/2010/main" w="9525">
                   <a:solidFill>
                     <a:srgbClr val="000000"/>
                   </a:solidFill>
@@ -2445,8 +2445,8 @@
               <a:noFill/>
             </a:ln>
             <a:extLst>
-              <a:ext uri="{91240B29-F687-4f45-9708-019B960494DF}">
-                <a14:hiddenLine xmlns="" xmlns:a14="http://schemas.microsoft.com/office/drawing/2010/main" w="9525">
+              <a:ext uri="{91240B29-F687-4F45-9708-019B960494DF}">
+                <a14:hiddenLine xmlns:a14="http://schemas.microsoft.com/office/drawing/2010/main" w="9525">
                   <a:solidFill>
                     <a:srgbClr val="000000"/>
                   </a:solidFill>
@@ -2507,8 +2507,8 @@
               <a:noFill/>
             </a:ln>
             <a:extLst>
-              <a:ext uri="{91240B29-F687-4f45-9708-019B960494DF}">
-                <a14:hiddenLine xmlns="" xmlns:a14="http://schemas.microsoft.com/office/drawing/2010/main" w="9525">
+              <a:ext uri="{91240B29-F687-4F45-9708-019B960494DF}">
+                <a14:hiddenLine xmlns:a14="http://schemas.microsoft.com/office/drawing/2010/main" w="9525">
                   <a:solidFill>
                     <a:srgbClr val="000000"/>
                   </a:solidFill>
@@ -2569,8 +2569,8 @@
               <a:noFill/>
             </a:ln>
             <a:extLst>
-              <a:ext uri="{91240B29-F687-4f45-9708-019B960494DF}">
-                <a14:hiddenLine xmlns="" xmlns:a14="http://schemas.microsoft.com/office/drawing/2010/main" w="9525">
+              <a:ext uri="{91240B29-F687-4F45-9708-019B960494DF}">
+                <a14:hiddenLine xmlns:a14="http://schemas.microsoft.com/office/drawing/2010/main" w="9525">
                   <a:solidFill>
                     <a:srgbClr val="000000"/>
                   </a:solidFill>
@@ -2659,8 +2659,8 @@
               <a:noFill/>
             </a:ln>
             <a:extLst>
-              <a:ext uri="{91240B29-F687-4f45-9708-019B960494DF}">
-                <a14:hiddenLine xmlns="" xmlns:a14="http://schemas.microsoft.com/office/drawing/2010/main" w="9525">
+              <a:ext uri="{91240B29-F687-4F45-9708-019B960494DF}">
+                <a14:hiddenLine xmlns:a14="http://schemas.microsoft.com/office/drawing/2010/main" w="9525">
                   <a:solidFill>
                     <a:srgbClr val="000000"/>
                   </a:solidFill>
@@ -2727,8 +2727,8 @@
               <a:noFill/>
             </a:ln>
             <a:extLst>
-              <a:ext uri="{91240B29-F687-4f45-9708-019B960494DF}">
-                <a14:hiddenLine xmlns="" xmlns:a14="http://schemas.microsoft.com/office/drawing/2010/main" w="9525">
+              <a:ext uri="{91240B29-F687-4F45-9708-019B960494DF}">
+                <a14:hiddenLine xmlns:a14="http://schemas.microsoft.com/office/drawing/2010/main" w="9525">
                   <a:solidFill>
                     <a:srgbClr val="000000"/>
                   </a:solidFill>
@@ -2789,8 +2789,8 @@
               <a:noFill/>
             </a:ln>
             <a:extLst>
-              <a:ext uri="{91240B29-F687-4f45-9708-019B960494DF}">
-                <a14:hiddenLine xmlns="" xmlns:a14="http://schemas.microsoft.com/office/drawing/2010/main" w="9525">
+              <a:ext uri="{91240B29-F687-4F45-9708-019B960494DF}">
+                <a14:hiddenLine xmlns:a14="http://schemas.microsoft.com/office/drawing/2010/main" w="9525">
                   <a:solidFill>
                     <a:srgbClr val="000000"/>
                   </a:solidFill>
@@ -2879,8 +2879,8 @@
               <a:noFill/>
             </a:ln>
             <a:extLst>
-              <a:ext uri="{91240B29-F687-4f45-9708-019B960494DF}">
-                <a14:hiddenLine xmlns="" xmlns:a14="http://schemas.microsoft.com/office/drawing/2010/main" w="9525">
+              <a:ext uri="{91240B29-F687-4F45-9708-019B960494DF}">
+                <a14:hiddenLine xmlns:a14="http://schemas.microsoft.com/office/drawing/2010/main" w="9525">
                   <a:solidFill>
                     <a:srgbClr val="000000"/>
                   </a:solidFill>
@@ -2941,8 +2941,8 @@
               <a:noFill/>
             </a:ln>
             <a:extLst>
-              <a:ext uri="{91240B29-F687-4f45-9708-019B960494DF}">
-                <a14:hiddenLine xmlns="" xmlns:a14="http://schemas.microsoft.com/office/drawing/2010/main" w="9525">
+              <a:ext uri="{91240B29-F687-4F45-9708-019B960494DF}">
+                <a14:hiddenLine xmlns:a14="http://schemas.microsoft.com/office/drawing/2010/main" w="9525">
                   <a:solidFill>
                     <a:srgbClr val="000000"/>
                   </a:solidFill>
@@ -3031,8 +3031,8 @@
               <a:noFill/>
             </a:ln>
             <a:extLst>
-              <a:ext uri="{91240B29-F687-4f45-9708-019B960494DF}">
-                <a14:hiddenLine xmlns="" xmlns:a14="http://schemas.microsoft.com/office/drawing/2010/main" w="9525">
+              <a:ext uri="{91240B29-F687-4F45-9708-019B960494DF}">
+                <a14:hiddenLine xmlns:a14="http://schemas.microsoft.com/office/drawing/2010/main" w="9525">
                   <a:solidFill>
                     <a:srgbClr val="000000"/>
                   </a:solidFill>
@@ -3093,8 +3093,8 @@
               <a:noFill/>
             </a:ln>
             <a:extLst>
-              <a:ext uri="{91240B29-F687-4f45-9708-019B960494DF}">
-                <a14:hiddenLine xmlns="" xmlns:a14="http://schemas.microsoft.com/office/drawing/2010/main" w="9525">
+              <a:ext uri="{91240B29-F687-4F45-9708-019B960494DF}">
+                <a14:hiddenLine xmlns:a14="http://schemas.microsoft.com/office/drawing/2010/main" w="9525">
                   <a:solidFill>
                     <a:srgbClr val="000000"/>
                   </a:solidFill>
@@ -3183,8 +3183,8 @@
               <a:noFill/>
             </a:ln>
             <a:extLst>
-              <a:ext uri="{91240B29-F687-4f45-9708-019B960494DF}">
-                <a14:hiddenLine xmlns="" xmlns:a14="http://schemas.microsoft.com/office/drawing/2010/main" w="9525">
+              <a:ext uri="{91240B29-F687-4F45-9708-019B960494DF}">
+                <a14:hiddenLine xmlns:a14="http://schemas.microsoft.com/office/drawing/2010/main" w="9525">
                   <a:solidFill>
                     <a:srgbClr val="000000"/>
                   </a:solidFill>
@@ -3217,8 +3217,8 @@
               <a:noFill/>
             </a:ln>
             <a:extLst>
-              <a:ext uri="{91240B29-F687-4f45-9708-019B960494DF}">
-                <a14:hiddenLine xmlns="" xmlns:a14="http://schemas.microsoft.com/office/drawing/2010/main" w="9525">
+              <a:ext uri="{91240B29-F687-4F45-9708-019B960494DF}">
+                <a14:hiddenLine xmlns:a14="http://schemas.microsoft.com/office/drawing/2010/main" w="9525">
                   <a:solidFill>
                     <a:srgbClr val="000000"/>
                   </a:solidFill>
@@ -3282,8 +3282,8 @@
               <a:noFill/>
             </a:ln>
             <a:extLst>
-              <a:ext uri="{91240B29-F687-4f45-9708-019B960494DF}">
-                <a14:hiddenLine xmlns="" xmlns:a14="http://schemas.microsoft.com/office/drawing/2010/main" w="9525">
+              <a:ext uri="{91240B29-F687-4F45-9708-019B960494DF}">
+                <a14:hiddenLine xmlns:a14="http://schemas.microsoft.com/office/drawing/2010/main" w="9525">
                   <a:solidFill>
                     <a:srgbClr val="000000"/>
                   </a:solidFill>
@@ -3372,8 +3372,8 @@
               <a:noFill/>
             </a:ln>
             <a:extLst>
-              <a:ext uri="{91240B29-F687-4f45-9708-019B960494DF}">
-                <a14:hiddenLine xmlns="" xmlns:a14="http://schemas.microsoft.com/office/drawing/2010/main" w="9525">
+              <a:ext uri="{91240B29-F687-4F45-9708-019B960494DF}">
+                <a14:hiddenLine xmlns:a14="http://schemas.microsoft.com/office/drawing/2010/main" w="9525">
                   <a:solidFill>
                     <a:srgbClr val="000000"/>
                   </a:solidFill>
@@ -3434,8 +3434,8 @@
               <a:noFill/>
             </a:ln>
             <a:extLst>
-              <a:ext uri="{91240B29-F687-4f45-9708-019B960494DF}">
-                <a14:hiddenLine xmlns="" xmlns:a14="http://schemas.microsoft.com/office/drawing/2010/main" w="9525">
+              <a:ext uri="{91240B29-F687-4F45-9708-019B960494DF}">
+                <a14:hiddenLine xmlns:a14="http://schemas.microsoft.com/office/drawing/2010/main" w="9525">
                   <a:solidFill>
                     <a:srgbClr val="000000"/>
                   </a:solidFill>
@@ -3524,8 +3524,8 @@
               <a:noFill/>
             </a:ln>
             <a:extLst>
-              <a:ext uri="{91240B29-F687-4f45-9708-019B960494DF}">
-                <a14:hiddenLine xmlns="" xmlns:a14="http://schemas.microsoft.com/office/drawing/2010/main" w="9525">
+              <a:ext uri="{91240B29-F687-4F45-9708-019B960494DF}">
+                <a14:hiddenLine xmlns:a14="http://schemas.microsoft.com/office/drawing/2010/main" w="9525">
                   <a:solidFill>
                     <a:srgbClr val="000000"/>
                   </a:solidFill>
@@ -3614,8 +3614,8 @@
               <a:noFill/>
             </a:ln>
             <a:extLst>
-              <a:ext uri="{91240B29-F687-4f45-9708-019B960494DF}">
-                <a14:hiddenLine xmlns="" xmlns:a14="http://schemas.microsoft.com/office/drawing/2010/main" w="9525">
+              <a:ext uri="{91240B29-F687-4F45-9708-019B960494DF}">
+                <a14:hiddenLine xmlns:a14="http://schemas.microsoft.com/office/drawing/2010/main" w="9525">
                   <a:solidFill>
                     <a:srgbClr val="000000"/>
                   </a:solidFill>
@@ -3679,8 +3679,8 @@
               <a:noFill/>
             </a:ln>
             <a:extLst>
-              <a:ext uri="{91240B29-F687-4f45-9708-019B960494DF}">
-                <a14:hiddenLine xmlns="" xmlns:a14="http://schemas.microsoft.com/office/drawing/2010/main" w="9525">
+              <a:ext uri="{91240B29-F687-4F45-9708-019B960494DF}">
+                <a14:hiddenLine xmlns:a14="http://schemas.microsoft.com/office/drawing/2010/main" w="9525">
                   <a:solidFill>
                     <a:srgbClr val="000000"/>
                   </a:solidFill>
@@ -3741,8 +3741,8 @@
               <a:noFill/>
             </a:ln>
             <a:extLst>
-              <a:ext uri="{91240B29-F687-4f45-9708-019B960494DF}">
-                <a14:hiddenLine xmlns="" xmlns:a14="http://schemas.microsoft.com/office/drawing/2010/main" w="9525">
+              <a:ext uri="{91240B29-F687-4F45-9708-019B960494DF}">
+                <a14:hiddenLine xmlns:a14="http://schemas.microsoft.com/office/drawing/2010/main" w="9525">
                   <a:solidFill>
                     <a:srgbClr val="000000"/>
                   </a:solidFill>
@@ -3831,8 +3831,8 @@
               <a:noFill/>
             </a:ln>
             <a:extLst>
-              <a:ext uri="{91240B29-F687-4f45-9708-019B960494DF}">
-                <a14:hiddenLine xmlns="" xmlns:a14="http://schemas.microsoft.com/office/drawing/2010/main" w="9525">
+              <a:ext uri="{91240B29-F687-4F45-9708-019B960494DF}">
+                <a14:hiddenLine xmlns:a14="http://schemas.microsoft.com/office/drawing/2010/main" w="9525">
                   <a:solidFill>
                     <a:srgbClr val="000000"/>
                   </a:solidFill>
@@ -3921,8 +3921,8 @@
               <a:noFill/>
             </a:ln>
             <a:extLst>
-              <a:ext uri="{91240B29-F687-4f45-9708-019B960494DF}">
-                <a14:hiddenLine xmlns="" xmlns:a14="http://schemas.microsoft.com/office/drawing/2010/main" w="9525">
+              <a:ext uri="{91240B29-F687-4F45-9708-019B960494DF}">
+                <a14:hiddenLine xmlns:a14="http://schemas.microsoft.com/office/drawing/2010/main" w="9525">
                   <a:solidFill>
                     <a:srgbClr val="000000"/>
                   </a:solidFill>
@@ -3983,8 +3983,8 @@
               <a:noFill/>
             </a:ln>
             <a:extLst>
-              <a:ext uri="{91240B29-F687-4f45-9708-019B960494DF}">
-                <a14:hiddenLine xmlns="" xmlns:a14="http://schemas.microsoft.com/office/drawing/2010/main" w="9525">
+              <a:ext uri="{91240B29-F687-4F45-9708-019B960494DF}">
+                <a14:hiddenLine xmlns:a14="http://schemas.microsoft.com/office/drawing/2010/main" w="9525">
                   <a:solidFill>
                     <a:srgbClr val="000000"/>
                   </a:solidFill>
@@ -4103,8 +4103,8 @@
               <a:noFill/>
             </a:ln>
             <a:extLst>
-              <a:ext uri="{91240B29-F687-4f45-9708-019B960494DF}">
-                <a14:hiddenLine xmlns="" xmlns:a14="http://schemas.microsoft.com/office/drawing/2010/main" w="9525">
+              <a:ext uri="{91240B29-F687-4F45-9708-019B960494DF}">
+                <a14:hiddenLine xmlns:a14="http://schemas.microsoft.com/office/drawing/2010/main" w="9525">
                   <a:solidFill>
                     <a:srgbClr val="000000"/>
                   </a:solidFill>
@@ -4171,8 +4171,8 @@
               <a:noFill/>
             </a:ln>
             <a:extLst>
-              <a:ext uri="{91240B29-F687-4f45-9708-019B960494DF}">
-                <a14:hiddenLine xmlns="" xmlns:a14="http://schemas.microsoft.com/office/drawing/2010/main" w="9525">
+              <a:ext uri="{91240B29-F687-4F45-9708-019B960494DF}">
+                <a14:hiddenLine xmlns:a14="http://schemas.microsoft.com/office/drawing/2010/main" w="9525">
                   <a:solidFill>
                     <a:srgbClr val="000000"/>
                   </a:solidFill>
@@ -4261,8 +4261,8 @@
               <a:noFill/>
             </a:ln>
             <a:extLst>
-              <a:ext uri="{91240B29-F687-4f45-9708-019B960494DF}">
-                <a14:hiddenLine xmlns="" xmlns:a14="http://schemas.microsoft.com/office/drawing/2010/main" w="9525">
+              <a:ext uri="{91240B29-F687-4F45-9708-019B960494DF}">
+                <a14:hiddenLine xmlns:a14="http://schemas.microsoft.com/office/drawing/2010/main" w="9525">
                   <a:solidFill>
                     <a:srgbClr val="000000"/>
                   </a:solidFill>
@@ -4402,7 +4402,7 @@
           <a:p>
             <a:fld id="{48A87A34-81AB-432B-8DAE-1953F412C126}" type="datetimeFigureOut">
               <a:rPr lang="en-US" dirty="0"/>
-              <a:t>2/22/2024</a:t>
+              <a:t>2/23/2024</a:t>
             </a:fld>
             <a:endParaRPr lang="en-US" dirty="0"/>
           </a:p>
@@ -4676,7 +4676,7 @@
           <a:p>
             <a:fld id="{48A87A34-81AB-432B-8DAE-1953F412C126}" type="datetimeFigureOut">
               <a:rPr lang="en-US" dirty="0"/>
-              <a:t>2/22/2024</a:t>
+              <a:t>2/23/2024</a:t>
             </a:fld>
             <a:endParaRPr lang="en-US" dirty="0"/>
           </a:p>
@@ -4879,7 +4879,7 @@
           <a:p>
             <a:fld id="{48A87A34-81AB-432B-8DAE-1953F412C126}" type="datetimeFigureOut">
               <a:rPr lang="en-US" dirty="0"/>
-              <a:t>2/22/2024</a:t>
+              <a:t>2/23/2024</a:t>
             </a:fld>
             <a:endParaRPr lang="en-US" dirty="0"/>
           </a:p>
@@ -5149,7 +5149,7 @@
           <a:p>
             <a:fld id="{48A87A34-81AB-432B-8DAE-1953F412C126}" type="datetimeFigureOut">
               <a:rPr lang="en-US" dirty="0"/>
-              <a:t>2/22/2024</a:t>
+              <a:t>2/23/2024</a:t>
             </a:fld>
             <a:endParaRPr lang="en-US" dirty="0"/>
           </a:p>
@@ -5590,7 +5590,7 @@
           <a:p>
             <a:fld id="{48A87A34-81AB-432B-8DAE-1953F412C126}" type="datetimeFigureOut">
               <a:rPr lang="en-US" dirty="0"/>
-              <a:t>2/22/2024</a:t>
+              <a:t>2/23/2024</a:t>
             </a:fld>
             <a:endParaRPr lang="en-US" dirty="0"/>
           </a:p>
@@ -6143,7 +6143,7 @@
           <a:p>
             <a:fld id="{48A87A34-81AB-432B-8DAE-1953F412C126}" type="datetimeFigureOut">
               <a:rPr lang="en-US" dirty="0"/>
-              <a:t>2/22/2024</a:t>
+              <a:t>2/23/2024</a:t>
             </a:fld>
             <a:endParaRPr lang="en-US" dirty="0"/>
           </a:p>
@@ -6870,7 +6870,7 @@
           <a:p>
             <a:fld id="{48A87A34-81AB-432B-8DAE-1953F412C126}" type="datetimeFigureOut">
               <a:rPr lang="en-US" dirty="0"/>
-              <a:t>2/22/2024</a:t>
+              <a:t>2/23/2024</a:t>
             </a:fld>
             <a:endParaRPr lang="en-US" dirty="0"/>
           </a:p>
@@ -7047,7 +7047,7 @@
           <a:p>
             <a:fld id="{48A87A34-81AB-432B-8DAE-1953F412C126}" type="datetimeFigureOut">
               <a:rPr lang="en-US" dirty="0"/>
-              <a:t>2/22/2024</a:t>
+              <a:t>2/23/2024</a:t>
             </a:fld>
             <a:endParaRPr lang="en-US" dirty="0"/>
           </a:p>
@@ -7234,7 +7234,7 @@
           <a:p>
             <a:fld id="{48A87A34-81AB-432B-8DAE-1953F412C126}" type="datetimeFigureOut">
               <a:rPr lang="en-US" dirty="0"/>
-              <a:t>2/22/2024</a:t>
+              <a:t>2/23/2024</a:t>
             </a:fld>
             <a:endParaRPr lang="en-US" dirty="0"/>
           </a:p>
@@ -7411,7 +7411,7 @@
           <a:p>
             <a:fld id="{48A87A34-81AB-432B-8DAE-1953F412C126}" type="datetimeFigureOut">
               <a:rPr lang="en-US" dirty="0"/>
-              <a:t>2/22/2024</a:t>
+              <a:t>2/23/2024</a:t>
             </a:fld>
             <a:endParaRPr lang="en-US" dirty="0"/>
           </a:p>
@@ -7668,7 +7668,7 @@
           <a:p>
             <a:fld id="{48A87A34-81AB-432B-8DAE-1953F412C126}" type="datetimeFigureOut">
               <a:rPr lang="en-US" dirty="0"/>
-              <a:t>2/22/2024</a:t>
+              <a:t>2/23/2024</a:t>
             </a:fld>
             <a:endParaRPr lang="en-US" dirty="0"/>
           </a:p>
@@ -7907,7 +7907,7 @@
           <a:p>
             <a:fld id="{48A87A34-81AB-432B-8DAE-1953F412C126}" type="datetimeFigureOut">
               <a:rPr lang="en-US" dirty="0"/>
-              <a:t>2/22/2024</a:t>
+              <a:t>2/23/2024</a:t>
             </a:fld>
             <a:endParaRPr lang="en-US" dirty="0"/>
           </a:p>
@@ -8295,7 +8295,7 @@
           <a:p>
             <a:fld id="{48A87A34-81AB-432B-8DAE-1953F412C126}" type="datetimeFigureOut">
               <a:rPr lang="en-US" dirty="0"/>
-              <a:t>2/22/2024</a:t>
+              <a:t>2/23/2024</a:t>
             </a:fld>
             <a:endParaRPr lang="en-US" dirty="0"/>
           </a:p>
@@ -8420,7 +8420,7 @@
           <a:p>
             <a:fld id="{48A87A34-81AB-432B-8DAE-1953F412C126}" type="datetimeFigureOut">
               <a:rPr lang="en-US" dirty="0"/>
-              <a:t>2/22/2024</a:t>
+              <a:t>2/23/2024</a:t>
             </a:fld>
             <a:endParaRPr lang="en-US" dirty="0"/>
           </a:p>
@@ -8522,7 +8522,7 @@
           <a:p>
             <a:fld id="{48A87A34-81AB-432B-8DAE-1953F412C126}" type="datetimeFigureOut">
               <a:rPr lang="en-US" dirty="0"/>
-              <a:t>2/22/2024</a:t>
+              <a:t>2/23/2024</a:t>
             </a:fld>
             <a:endParaRPr lang="en-US" dirty="0"/>
           </a:p>
@@ -8778,7 +8778,7 @@
           <a:p>
             <a:fld id="{48A87A34-81AB-432B-8DAE-1953F412C126}" type="datetimeFigureOut">
               <a:rPr lang="en-US" dirty="0"/>
-              <a:t>2/22/2024</a:t>
+              <a:t>2/23/2024</a:t>
             </a:fld>
             <a:endParaRPr lang="en-US" dirty="0"/>
           </a:p>
@@ -9065,7 +9065,7 @@
           <a:p>
             <a:fld id="{48A87A34-81AB-432B-8DAE-1953F412C126}" type="datetimeFigureOut">
               <a:rPr lang="en-US" dirty="0"/>
-              <a:t>2/22/2024</a:t>
+              <a:t>2/23/2024</a:t>
             </a:fld>
             <a:endParaRPr lang="en-US" dirty="0"/>
           </a:p>
@@ -9194,8 +9194,8 @@
           </a:prstGeom>
           <a:noFill/>
           <a:extLst>
-            <a:ext uri="{909E8E84-426E-40dd-AFC4-6F175D3DCCD1}">
-              <a14:hiddenFill xmlns="" xmlns:a14="http://schemas.microsoft.com/office/drawing/2010/main">
+            <a:ext uri="{909E8E84-426E-40DD-AFC4-6F175D3DCCD1}">
+              <a14:hiddenFill xmlns:a14="http://schemas.microsoft.com/office/drawing/2010/main">
                 <a:solidFill>
                   <a:srgbClr val="FFFFFF"/>
                 </a:solidFill>
@@ -9268,8 +9268,8 @@
                 <a:noFill/>
               </a:ln>
               <a:extLst>
-                <a:ext uri="{91240B29-F687-4f45-9708-019B960494DF}">
-                  <a14:hiddenLine xmlns="" xmlns:a14="http://schemas.microsoft.com/office/drawing/2010/main" w="9525">
+                <a:ext uri="{91240B29-F687-4F45-9708-019B960494DF}">
+                  <a14:hiddenLine xmlns:a14="http://schemas.microsoft.com/office/drawing/2010/main" w="9525">
                     <a:solidFill>
                       <a:srgbClr val="000000"/>
                     </a:solidFill>
@@ -9358,8 +9358,8 @@
                 <a:noFill/>
               </a:ln>
               <a:extLst>
-                <a:ext uri="{91240B29-F687-4f45-9708-019B960494DF}">
-                  <a14:hiddenLine xmlns="" xmlns:a14="http://schemas.microsoft.com/office/drawing/2010/main" w="9525">
+                <a:ext uri="{91240B29-F687-4F45-9708-019B960494DF}">
+                  <a14:hiddenLine xmlns:a14="http://schemas.microsoft.com/office/drawing/2010/main" w="9525">
                     <a:solidFill>
                       <a:srgbClr val="000000"/>
                     </a:solidFill>
@@ -9448,8 +9448,8 @@
                 <a:noFill/>
               </a:ln>
               <a:extLst>
-                <a:ext uri="{91240B29-F687-4f45-9708-019B960494DF}">
-                  <a14:hiddenLine xmlns="" xmlns:a14="http://schemas.microsoft.com/office/drawing/2010/main" w="9525">
+                <a:ext uri="{91240B29-F687-4F45-9708-019B960494DF}">
+                  <a14:hiddenLine xmlns:a14="http://schemas.microsoft.com/office/drawing/2010/main" w="9525">
                     <a:solidFill>
                       <a:srgbClr val="000000"/>
                     </a:solidFill>
@@ -9510,8 +9510,8 @@
                 <a:noFill/>
               </a:ln>
               <a:extLst>
-                <a:ext uri="{91240B29-F687-4f45-9708-019B960494DF}">
-                  <a14:hiddenLine xmlns="" xmlns:a14="http://schemas.microsoft.com/office/drawing/2010/main" w="9525">
+                <a:ext uri="{91240B29-F687-4F45-9708-019B960494DF}">
+                  <a14:hiddenLine xmlns:a14="http://schemas.microsoft.com/office/drawing/2010/main" w="9525">
                     <a:solidFill>
                       <a:srgbClr val="000000"/>
                     </a:solidFill>
@@ -9600,8 +9600,8 @@
                 <a:noFill/>
               </a:ln>
               <a:extLst>
-                <a:ext uri="{91240B29-F687-4f45-9708-019B960494DF}">
-                  <a14:hiddenLine xmlns="" xmlns:a14="http://schemas.microsoft.com/office/drawing/2010/main" w="9525">
+                <a:ext uri="{91240B29-F687-4F45-9708-019B960494DF}">
+                  <a14:hiddenLine xmlns:a14="http://schemas.microsoft.com/office/drawing/2010/main" w="9525">
                     <a:solidFill>
                       <a:srgbClr val="000000"/>
                     </a:solidFill>
@@ -9662,8 +9662,8 @@
                 <a:noFill/>
               </a:ln>
               <a:extLst>
-                <a:ext uri="{91240B29-F687-4f45-9708-019B960494DF}">
-                  <a14:hiddenLine xmlns="" xmlns:a14="http://schemas.microsoft.com/office/drawing/2010/main" w="9525">
+                <a:ext uri="{91240B29-F687-4F45-9708-019B960494DF}">
+                  <a14:hiddenLine xmlns:a14="http://schemas.microsoft.com/office/drawing/2010/main" w="9525">
                     <a:solidFill>
                       <a:srgbClr val="000000"/>
                     </a:solidFill>
@@ -9724,8 +9724,8 @@
                 <a:noFill/>
               </a:ln>
               <a:extLst>
-                <a:ext uri="{91240B29-F687-4f45-9708-019B960494DF}">
-                  <a14:hiddenLine xmlns="" xmlns:a14="http://schemas.microsoft.com/office/drawing/2010/main" w="9525">
+                <a:ext uri="{91240B29-F687-4F45-9708-019B960494DF}">
+                  <a14:hiddenLine xmlns:a14="http://schemas.microsoft.com/office/drawing/2010/main" w="9525">
                     <a:solidFill>
                       <a:srgbClr val="000000"/>
                     </a:solidFill>
@@ -9814,8 +9814,8 @@
                 <a:noFill/>
               </a:ln>
               <a:extLst>
-                <a:ext uri="{91240B29-F687-4f45-9708-019B960494DF}">
-                  <a14:hiddenLine xmlns="" xmlns:a14="http://schemas.microsoft.com/office/drawing/2010/main" w="9525">
+                <a:ext uri="{91240B29-F687-4F45-9708-019B960494DF}">
+                  <a14:hiddenLine xmlns:a14="http://schemas.microsoft.com/office/drawing/2010/main" w="9525">
                     <a:solidFill>
                       <a:srgbClr val="000000"/>
                     </a:solidFill>
@@ -9904,8 +9904,8 @@
                 <a:noFill/>
               </a:ln>
               <a:extLst>
-                <a:ext uri="{91240B29-F687-4f45-9708-019B960494DF}">
-                  <a14:hiddenLine xmlns="" xmlns:a14="http://schemas.microsoft.com/office/drawing/2010/main" w="9525">
+                <a:ext uri="{91240B29-F687-4F45-9708-019B960494DF}">
+                  <a14:hiddenLine xmlns:a14="http://schemas.microsoft.com/office/drawing/2010/main" w="9525">
                     <a:solidFill>
                       <a:srgbClr val="000000"/>
                     </a:solidFill>
@@ -9966,8 +9966,8 @@
                 <a:noFill/>
               </a:ln>
               <a:extLst>
-                <a:ext uri="{91240B29-F687-4f45-9708-019B960494DF}">
-                  <a14:hiddenLine xmlns="" xmlns:a14="http://schemas.microsoft.com/office/drawing/2010/main" w="9525">
+                <a:ext uri="{91240B29-F687-4F45-9708-019B960494DF}">
+                  <a14:hiddenLine xmlns:a14="http://schemas.microsoft.com/office/drawing/2010/main" w="9525">
                     <a:solidFill>
                       <a:srgbClr val="000000"/>
                     </a:solidFill>
@@ -10076,8 +10076,8 @@
                 <a:noFill/>
               </a:ln>
               <a:extLst>
-                <a:ext uri="{91240B29-F687-4f45-9708-019B960494DF}">
-                  <a14:hiddenLine xmlns="" xmlns:a14="http://schemas.microsoft.com/office/drawing/2010/main" w="9525">
+                <a:ext uri="{91240B29-F687-4F45-9708-019B960494DF}">
+                  <a14:hiddenLine xmlns:a14="http://schemas.microsoft.com/office/drawing/2010/main" w="9525">
                     <a:solidFill>
                       <a:srgbClr val="000000"/>
                     </a:solidFill>
@@ -10160,8 +10160,8 @@
                 <a:noFill/>
               </a:ln>
               <a:extLst>
-                <a:ext uri="{91240B29-F687-4f45-9708-019B960494DF}">
-                  <a14:hiddenLine xmlns="" xmlns:a14="http://schemas.microsoft.com/office/drawing/2010/main" w="9525">
+                <a:ext uri="{91240B29-F687-4F45-9708-019B960494DF}">
+                  <a14:hiddenLine xmlns:a14="http://schemas.microsoft.com/office/drawing/2010/main" w="9525">
                     <a:solidFill>
                       <a:srgbClr val="000000"/>
                     </a:solidFill>
@@ -10222,8 +10222,8 @@
                 <a:noFill/>
               </a:ln>
               <a:extLst>
-                <a:ext uri="{91240B29-F687-4f45-9708-019B960494DF}">
-                  <a14:hiddenLine xmlns="" xmlns:a14="http://schemas.microsoft.com/office/drawing/2010/main" w="9525">
+                <a:ext uri="{91240B29-F687-4F45-9708-019B960494DF}">
+                  <a14:hiddenLine xmlns:a14="http://schemas.microsoft.com/office/drawing/2010/main" w="9525">
                     <a:solidFill>
                       <a:srgbClr val="000000"/>
                     </a:solidFill>
@@ -10284,8 +10284,8 @@
                 <a:noFill/>
               </a:ln>
               <a:extLst>
-                <a:ext uri="{91240B29-F687-4f45-9708-019B960494DF}">
-                  <a14:hiddenLine xmlns="" xmlns:a14="http://schemas.microsoft.com/office/drawing/2010/main" w="9525">
+                <a:ext uri="{91240B29-F687-4F45-9708-019B960494DF}">
+                  <a14:hiddenLine xmlns:a14="http://schemas.microsoft.com/office/drawing/2010/main" w="9525">
                     <a:solidFill>
                       <a:srgbClr val="000000"/>
                     </a:solidFill>
@@ -10374,8 +10374,8 @@
                 <a:noFill/>
               </a:ln>
               <a:extLst>
-                <a:ext uri="{91240B29-F687-4f45-9708-019B960494DF}">
-                  <a14:hiddenLine xmlns="" xmlns:a14="http://schemas.microsoft.com/office/drawing/2010/main" w="9525">
+                <a:ext uri="{91240B29-F687-4F45-9708-019B960494DF}">
+                  <a14:hiddenLine xmlns:a14="http://schemas.microsoft.com/office/drawing/2010/main" w="9525">
                     <a:solidFill>
                       <a:srgbClr val="000000"/>
                     </a:solidFill>
@@ -10408,8 +10408,8 @@
                 <a:noFill/>
               </a:ln>
               <a:extLst>
-                <a:ext uri="{91240B29-F687-4f45-9708-019B960494DF}">
-                  <a14:hiddenLine xmlns="" xmlns:a14="http://schemas.microsoft.com/office/drawing/2010/main" w="9525">
+                <a:ext uri="{91240B29-F687-4F45-9708-019B960494DF}">
+                  <a14:hiddenLine xmlns:a14="http://schemas.microsoft.com/office/drawing/2010/main" w="9525">
                     <a:solidFill>
                       <a:srgbClr val="000000"/>
                     </a:solidFill>
@@ -10473,8 +10473,8 @@
                 <a:noFill/>
               </a:ln>
               <a:extLst>
-                <a:ext uri="{91240B29-F687-4f45-9708-019B960494DF}">
-                  <a14:hiddenLine xmlns="" xmlns:a14="http://schemas.microsoft.com/office/drawing/2010/main" w="9525">
+                <a:ext uri="{91240B29-F687-4F45-9708-019B960494DF}">
+                  <a14:hiddenLine xmlns:a14="http://schemas.microsoft.com/office/drawing/2010/main" w="9525">
                     <a:solidFill>
                       <a:srgbClr val="000000"/>
                     </a:solidFill>
@@ -10563,8 +10563,8 @@
                 <a:noFill/>
               </a:ln>
               <a:extLst>
-                <a:ext uri="{91240B29-F687-4f45-9708-019B960494DF}">
-                  <a14:hiddenLine xmlns="" xmlns:a14="http://schemas.microsoft.com/office/drawing/2010/main" w="9525">
+                <a:ext uri="{91240B29-F687-4F45-9708-019B960494DF}">
+                  <a14:hiddenLine xmlns:a14="http://schemas.microsoft.com/office/drawing/2010/main" w="9525">
                     <a:solidFill>
                       <a:srgbClr val="000000"/>
                     </a:solidFill>
@@ -10625,8 +10625,8 @@
                 <a:noFill/>
               </a:ln>
               <a:extLst>
-                <a:ext uri="{91240B29-F687-4f45-9708-019B960494DF}">
-                  <a14:hiddenLine xmlns="" xmlns:a14="http://schemas.microsoft.com/office/drawing/2010/main" w="9525">
+                <a:ext uri="{91240B29-F687-4F45-9708-019B960494DF}">
+                  <a14:hiddenLine xmlns:a14="http://schemas.microsoft.com/office/drawing/2010/main" w="9525">
                     <a:solidFill>
                       <a:srgbClr val="000000"/>
                     </a:solidFill>
@@ -10715,8 +10715,8 @@
                 <a:noFill/>
               </a:ln>
               <a:extLst>
-                <a:ext uri="{91240B29-F687-4f45-9708-019B960494DF}">
-                  <a14:hiddenLine xmlns="" xmlns:a14="http://schemas.microsoft.com/office/drawing/2010/main" w="9525">
+                <a:ext uri="{91240B29-F687-4F45-9708-019B960494DF}">
+                  <a14:hiddenLine xmlns:a14="http://schemas.microsoft.com/office/drawing/2010/main" w="9525">
                     <a:solidFill>
                       <a:srgbClr val="000000"/>
                     </a:solidFill>
@@ -10780,8 +10780,8 @@
                 <a:noFill/>
               </a:ln>
               <a:extLst>
-                <a:ext uri="{91240B29-F687-4f45-9708-019B960494DF}">
-                  <a14:hiddenLine xmlns="" xmlns:a14="http://schemas.microsoft.com/office/drawing/2010/main" w="9525">
+                <a:ext uri="{91240B29-F687-4F45-9708-019B960494DF}">
+                  <a14:hiddenLine xmlns:a14="http://schemas.microsoft.com/office/drawing/2010/main" w="9525">
                     <a:solidFill>
                       <a:srgbClr val="000000"/>
                     </a:solidFill>
@@ -10842,8 +10842,8 @@
                 <a:noFill/>
               </a:ln>
               <a:extLst>
-                <a:ext uri="{91240B29-F687-4f45-9708-019B960494DF}">
-                  <a14:hiddenLine xmlns="" xmlns:a14="http://schemas.microsoft.com/office/drawing/2010/main" w="9525">
+                <a:ext uri="{91240B29-F687-4F45-9708-019B960494DF}">
+                  <a14:hiddenLine xmlns:a14="http://schemas.microsoft.com/office/drawing/2010/main" w="9525">
                     <a:solidFill>
                       <a:srgbClr val="000000"/>
                     </a:solidFill>
@@ -10932,8 +10932,8 @@
                 <a:noFill/>
               </a:ln>
               <a:extLst>
-                <a:ext uri="{91240B29-F687-4f45-9708-019B960494DF}">
-                  <a14:hiddenLine xmlns="" xmlns:a14="http://schemas.microsoft.com/office/drawing/2010/main" w="9525">
+                <a:ext uri="{91240B29-F687-4F45-9708-019B960494DF}">
+                  <a14:hiddenLine xmlns:a14="http://schemas.microsoft.com/office/drawing/2010/main" w="9525">
                     <a:solidFill>
                       <a:srgbClr val="000000"/>
                     </a:solidFill>
@@ -11022,8 +11022,8 @@
                 <a:noFill/>
               </a:ln>
               <a:extLst>
-                <a:ext uri="{91240B29-F687-4f45-9708-019B960494DF}">
-                  <a14:hiddenLine xmlns="" xmlns:a14="http://schemas.microsoft.com/office/drawing/2010/main" w="9525">
+                <a:ext uri="{91240B29-F687-4F45-9708-019B960494DF}">
+                  <a14:hiddenLine xmlns:a14="http://schemas.microsoft.com/office/drawing/2010/main" w="9525">
                     <a:solidFill>
                       <a:srgbClr val="000000"/>
                     </a:solidFill>
@@ -11087,8 +11087,8 @@
                 <a:noFill/>
               </a:ln>
               <a:extLst>
-                <a:ext uri="{91240B29-F687-4f45-9708-019B960494DF}">
-                  <a14:hiddenLine xmlns="" xmlns:a14="http://schemas.microsoft.com/office/drawing/2010/main" w="9525">
+                <a:ext uri="{91240B29-F687-4F45-9708-019B960494DF}">
+                  <a14:hiddenLine xmlns:a14="http://schemas.microsoft.com/office/drawing/2010/main" w="9525">
                     <a:solidFill>
                       <a:srgbClr val="000000"/>
                     </a:solidFill>
@@ -11207,8 +11207,8 @@
                 <a:noFill/>
               </a:ln>
               <a:extLst>
-                <a:ext uri="{91240B29-F687-4f45-9708-019B960494DF}">
-                  <a14:hiddenLine xmlns="" xmlns:a14="http://schemas.microsoft.com/office/drawing/2010/main" w="9525">
+                <a:ext uri="{91240B29-F687-4F45-9708-019B960494DF}">
+                  <a14:hiddenLine xmlns:a14="http://schemas.microsoft.com/office/drawing/2010/main" w="9525">
                     <a:solidFill>
                       <a:srgbClr val="000000"/>
                     </a:solidFill>
@@ -11288,8 +11288,8 @@
                 <a:noFill/>
               </a:ln>
               <a:extLst>
-                <a:ext uri="{91240B29-F687-4f45-9708-019B960494DF}">
-                  <a14:hiddenLine xmlns="" xmlns:a14="http://schemas.microsoft.com/office/drawing/2010/main" w="9525">
+                <a:ext uri="{91240B29-F687-4F45-9708-019B960494DF}">
+                  <a14:hiddenLine xmlns:a14="http://schemas.microsoft.com/office/drawing/2010/main" w="9525">
                     <a:solidFill>
                       <a:srgbClr val="000000"/>
                     </a:solidFill>
@@ -11403,8 +11403,8 @@
                 <a:noFill/>
               </a:ln>
               <a:extLst>
-                <a:ext uri="{91240B29-F687-4f45-9708-019B960494DF}">
-                  <a14:hiddenLine xmlns="" xmlns:a14="http://schemas.microsoft.com/office/drawing/2010/main" w="9525">
+                <a:ext uri="{91240B29-F687-4F45-9708-019B960494DF}">
+                  <a14:hiddenLine xmlns:a14="http://schemas.microsoft.com/office/drawing/2010/main" w="9525">
                     <a:solidFill>
                       <a:srgbClr val="000000"/>
                     </a:solidFill>
@@ -11493,8 +11493,8 @@
                 <a:noFill/>
               </a:ln>
               <a:extLst>
-                <a:ext uri="{91240B29-F687-4f45-9708-019B960494DF}">
-                  <a14:hiddenLine xmlns="" xmlns:a14="http://schemas.microsoft.com/office/drawing/2010/main" w="9525">
+                <a:ext uri="{91240B29-F687-4F45-9708-019B960494DF}">
+                  <a14:hiddenLine xmlns:a14="http://schemas.microsoft.com/office/drawing/2010/main" w="9525">
                     <a:solidFill>
                       <a:srgbClr val="000000"/>
                     </a:solidFill>
@@ -11558,8 +11558,8 @@
                 <a:noFill/>
               </a:ln>
               <a:extLst>
-                <a:ext uri="{91240B29-F687-4f45-9708-019B960494DF}">
-                  <a14:hiddenLine xmlns="" xmlns:a14="http://schemas.microsoft.com/office/drawing/2010/main" w="9525">
+                <a:ext uri="{91240B29-F687-4F45-9708-019B960494DF}">
+                  <a14:hiddenLine xmlns:a14="http://schemas.microsoft.com/office/drawing/2010/main" w="9525">
                     <a:solidFill>
                       <a:srgbClr val="000000"/>
                     </a:solidFill>
@@ -11648,8 +11648,8 @@
                 <a:noFill/>
               </a:ln>
               <a:extLst>
-                <a:ext uri="{91240B29-F687-4f45-9708-019B960494DF}">
-                  <a14:hiddenLine xmlns="" xmlns:a14="http://schemas.microsoft.com/office/drawing/2010/main" w="9525">
+                <a:ext uri="{91240B29-F687-4F45-9708-019B960494DF}">
+                  <a14:hiddenLine xmlns:a14="http://schemas.microsoft.com/office/drawing/2010/main" w="9525">
                     <a:solidFill>
                       <a:srgbClr val="000000"/>
                     </a:solidFill>
@@ -11716,8 +11716,8 @@
                 <a:noFill/>
               </a:ln>
               <a:extLst>
-                <a:ext uri="{91240B29-F687-4f45-9708-019B960494DF}">
-                  <a14:hiddenLine xmlns="" xmlns:a14="http://schemas.microsoft.com/office/drawing/2010/main" w="9525">
+                <a:ext uri="{91240B29-F687-4F45-9708-019B960494DF}">
+                  <a14:hiddenLine xmlns:a14="http://schemas.microsoft.com/office/drawing/2010/main" w="9525">
                     <a:solidFill>
                       <a:srgbClr val="000000"/>
                     </a:solidFill>
@@ -11806,8 +11806,8 @@
                 <a:noFill/>
               </a:ln>
               <a:extLst>
-                <a:ext uri="{91240B29-F687-4f45-9708-019B960494DF}">
-                  <a14:hiddenLine xmlns="" xmlns:a14="http://schemas.microsoft.com/office/drawing/2010/main" w="9525">
+                <a:ext uri="{91240B29-F687-4F45-9708-019B960494DF}">
+                  <a14:hiddenLine xmlns:a14="http://schemas.microsoft.com/office/drawing/2010/main" w="9525">
                     <a:solidFill>
                       <a:srgbClr val="000000"/>
                     </a:solidFill>
@@ -11874,8 +11874,8 @@
                 <a:noFill/>
               </a:ln>
               <a:extLst>
-                <a:ext uri="{91240B29-F687-4f45-9708-019B960494DF}">
-                  <a14:hiddenLine xmlns="" xmlns:a14="http://schemas.microsoft.com/office/drawing/2010/main" w="9525">
+                <a:ext uri="{91240B29-F687-4F45-9708-019B960494DF}">
+                  <a14:hiddenLine xmlns:a14="http://schemas.microsoft.com/office/drawing/2010/main" w="9525">
                     <a:solidFill>
                       <a:srgbClr val="000000"/>
                     </a:solidFill>
@@ -11964,8 +11964,8 @@
                 <a:noFill/>
               </a:ln>
               <a:extLst>
-                <a:ext uri="{91240B29-F687-4f45-9708-019B960494DF}">
-                  <a14:hiddenLine xmlns="" xmlns:a14="http://schemas.microsoft.com/office/drawing/2010/main" w="9525">
+                <a:ext uri="{91240B29-F687-4F45-9708-019B960494DF}">
+                  <a14:hiddenLine xmlns:a14="http://schemas.microsoft.com/office/drawing/2010/main" w="9525">
                     <a:solidFill>
                       <a:srgbClr val="000000"/>
                     </a:solidFill>
@@ -11998,8 +11998,8 @@
                 <a:noFill/>
               </a:ln>
               <a:extLst>
-                <a:ext uri="{91240B29-F687-4f45-9708-019B960494DF}">
-                  <a14:hiddenLine xmlns="" xmlns:a14="http://schemas.microsoft.com/office/drawing/2010/main" w="9525">
+                <a:ext uri="{91240B29-F687-4F45-9708-019B960494DF}">
+                  <a14:hiddenLine xmlns:a14="http://schemas.microsoft.com/office/drawing/2010/main" w="9525">
                     <a:solidFill>
                       <a:srgbClr val="000000"/>
                     </a:solidFill>
@@ -12140,7 +12140,7 @@
             <a:fld id="{48A87A34-81AB-432B-8DAE-1953F412C126}" type="datetimeFigureOut">
               <a:rPr lang="en-US" dirty="0"/>
               <a:pPr/>
-              <a:t>2/22/2024</a:t>
+              <a:t>2/23/2024</a:t>
             </a:fld>
             <a:endParaRPr lang="en-US" dirty="0"/>
           </a:p>
@@ -12573,7 +12573,7 @@
           <p:cNvPr id="2" name="Título 1">
             <a:extLst>
               <a:ext uri="{FF2B5EF4-FFF2-40B4-BE49-F238E27FC236}">
-                <a16:creationId xmlns:a16="http://schemas.microsoft.com/office/drawing/2014/main" id="{FDDC5143-7CEA-63B6-3E79-60F0B9357DC9}"/>
+                <a16:creationId xmlns="" xmlns:a16="http://schemas.microsoft.com/office/drawing/2014/main" id="{FDDC5143-7CEA-63B6-3E79-60F0B9357DC9}"/>
               </a:ext>
             </a:extLst>
           </p:cNvPr>
@@ -12601,7 +12601,7 @@
           <p:cNvPr id="3" name="Subtítulo 2">
             <a:extLst>
               <a:ext uri="{FF2B5EF4-FFF2-40B4-BE49-F238E27FC236}">
-                <a16:creationId xmlns:a16="http://schemas.microsoft.com/office/drawing/2014/main" id="{40F63B0C-F1DE-337A-294B-C1956E5CD753}"/>
+                <a16:creationId xmlns="" xmlns:a16="http://schemas.microsoft.com/office/drawing/2014/main" id="{40F63B0C-F1DE-337A-294B-C1956E5CD753}"/>
               </a:ext>
             </a:extLst>
           </p:cNvPr>
@@ -12646,6 +12646,13 @@
       </p:transition>
     </mc:Fallback>
   </mc:AlternateContent>
+  <p:timing>
+    <p:tnLst>
+      <p:par>
+        <p:cTn id="1" dur="indefinite" restart="never" nodeType="tmRoot"/>
+      </p:par>
+    </p:tnLst>
+  </p:timing>
 </p:sld>
 </file>
 
@@ -12671,7 +12678,7 @@
           <p:cNvPr id="2" name="Título 1">
             <a:extLst>
               <a:ext uri="{FF2B5EF4-FFF2-40B4-BE49-F238E27FC236}">
-                <a16:creationId xmlns:a16="http://schemas.microsoft.com/office/drawing/2014/main" id="{267E0E60-B837-531F-543A-DAE181FBDE2D}"/>
+                <a16:creationId xmlns="" xmlns:a16="http://schemas.microsoft.com/office/drawing/2014/main" id="{267E0E60-B837-531F-543A-DAE181FBDE2D}"/>
               </a:ext>
             </a:extLst>
           </p:cNvPr>
@@ -12697,19 +12704,31 @@
                 <a:effectLst/>
                 <a:latin typeface="Arial" panose="020B0604020202020204" pitchFamily="34" charset="0"/>
                 <a:ea typeface="Times New Roman" panose="02020603050405020304" pitchFamily="18" charset="0"/>
-                <a:cs typeface="Times New Roman" panose="02020603050405020304" pitchFamily="18" charset="0"/>
+                <a:cs typeface="Arial" panose="020B0604020202020204" pitchFamily="34" charset="0"/>
               </a:rPr>
               <a:t>O que é uma API de REST?</a:t>
+            </a:r>
+            <a:r>
+              <a:rPr lang="pt-BR" sz="1800" kern="100" dirty="0">
+                <a:effectLst/>
+                <a:latin typeface="Arial" panose="020B0604020202020204" pitchFamily="34" charset="0"/>
+                <a:ea typeface="Calibri" panose="020F0502020204030204" pitchFamily="34" charset="0"/>
+                <a:cs typeface="Arial" panose="020B0604020202020204" pitchFamily="34" charset="0"/>
+              </a:rPr>
+              <a:t/>
             </a:r>
             <a:br>
               <a:rPr lang="pt-BR" sz="1800" kern="100" dirty="0">
                 <a:effectLst/>
-                <a:latin typeface="Calibri" panose="020F0502020204030204" pitchFamily="34" charset="0"/>
+                <a:latin typeface="Arial" panose="020B0604020202020204" pitchFamily="34" charset="0"/>
                 <a:ea typeface="Calibri" panose="020F0502020204030204" pitchFamily="34" charset="0"/>
-                <a:cs typeface="Times New Roman" panose="02020603050405020304" pitchFamily="18" charset="0"/>
+                <a:cs typeface="Arial" panose="020B0604020202020204" pitchFamily="34" charset="0"/>
               </a:rPr>
             </a:br>
-            <a:endParaRPr lang="pt-BR" dirty="0"/>
+            <a:endParaRPr lang="pt-BR" dirty="0">
+              <a:latin typeface="Arial" panose="020B0604020202020204" pitchFamily="34" charset="0"/>
+              <a:cs typeface="Arial" panose="020B0604020202020204" pitchFamily="34" charset="0"/>
+            </a:endParaRPr>
           </a:p>
         </p:txBody>
       </p:sp>
@@ -12718,7 +12737,7 @@
           <p:cNvPr id="5" name="Espaço Reservado para Conteúdo 4">
             <a:extLst>
               <a:ext uri="{FF2B5EF4-FFF2-40B4-BE49-F238E27FC236}">
-                <a16:creationId xmlns:a16="http://schemas.microsoft.com/office/drawing/2014/main" id="{FF261B2F-1DA2-C60A-32FC-6D32C0E8780A}"/>
+                <a16:creationId xmlns="" xmlns:a16="http://schemas.microsoft.com/office/drawing/2014/main" id="{FF261B2F-1DA2-C60A-32FC-6D32C0E8780A}"/>
               </a:ext>
             </a:extLst>
           </p:cNvPr>
@@ -12764,6 +12783,13 @@
       </p:transition>
     </mc:Fallback>
   </mc:AlternateContent>
+  <p:timing>
+    <p:tnLst>
+      <p:par>
+        <p:cTn id="1" dur="indefinite" restart="never" nodeType="tmRoot"/>
+      </p:par>
+    </p:tnLst>
+  </p:timing>
 </p:sld>
 </file>
 
@@ -12789,7 +12815,7 @@
           <p:cNvPr id="2" name="Título 1">
             <a:extLst>
               <a:ext uri="{FF2B5EF4-FFF2-40B4-BE49-F238E27FC236}">
-                <a16:creationId xmlns:a16="http://schemas.microsoft.com/office/drawing/2014/main" id="{29F5BC08-631F-6B23-AC4B-6D6BD2A9F281}"/>
+                <a16:creationId xmlns="" xmlns:a16="http://schemas.microsoft.com/office/drawing/2014/main" id="{29F5BC08-631F-6B23-AC4B-6D6BD2A9F281}"/>
               </a:ext>
             </a:extLst>
           </p:cNvPr>
@@ -12814,7 +12840,7 @@
           <p:cNvPr id="6" name="Espaço Reservado para Conteúdo 5">
             <a:extLst>
               <a:ext uri="{FF2B5EF4-FFF2-40B4-BE49-F238E27FC236}">
-                <a16:creationId xmlns:a16="http://schemas.microsoft.com/office/drawing/2014/main" id="{D137AD48-4427-25F6-1F02-413E84ECF33F}"/>
+                <a16:creationId xmlns="" xmlns:a16="http://schemas.microsoft.com/office/drawing/2014/main" id="{D137AD48-4427-25F6-1F02-413E84ECF33F}"/>
               </a:ext>
             </a:extLst>
           </p:cNvPr>
@@ -12841,21 +12867,24 @@
             <a:r>
               <a:rPr lang="pt-BR" sz="2000" b="0" i="0" dirty="0">
                 <a:effectLst/>
-                <a:latin typeface="IBM Plex Sans" panose="020B0503050203000203" pitchFamily="34" charset="0"/>
+                <a:latin typeface="Arial" panose="020B0604020202020204" pitchFamily="34" charset="0"/>
+                <a:cs typeface="Arial" panose="020B0604020202020204" pitchFamily="34" charset="0"/>
               </a:rPr>
               <a:t>Uma API, ou também dizendo como </a:t>
             </a:r>
             <a:r>
               <a:rPr lang="pt-BR" sz="2000" b="0" i="1" dirty="0">
                 <a:effectLst/>
-                <a:latin typeface="inherit"/>
+                <a:latin typeface="Arial" panose="020B0604020202020204" pitchFamily="34" charset="0"/>
+                <a:cs typeface="Arial" panose="020B0604020202020204" pitchFamily="34" charset="0"/>
               </a:rPr>
               <a:t>interface de programação aplicativos</a:t>
             </a:r>
             <a:r>
               <a:rPr lang="pt-BR" sz="2000" b="0" i="0" dirty="0">
                 <a:effectLst/>
-                <a:latin typeface="inherit"/>
+                <a:latin typeface="Arial" panose="020B0604020202020204" pitchFamily="34" charset="0"/>
+                <a:cs typeface="Arial" panose="020B0604020202020204" pitchFamily="34" charset="0"/>
               </a:rPr>
               <a:t>, é um conjunto de regras que definem como aplicativos ou dispositivos podem se conectar e se comunicar uns com os outros.</a:t>
             </a:r>
@@ -12865,30 +12894,45 @@
             <a:r>
               <a:rPr lang="pt-BR" sz="2000" b="0" i="0" dirty="0">
                 <a:effectLst/>
-                <a:latin typeface="inherit"/>
+                <a:latin typeface="Arial" panose="020B0604020202020204" pitchFamily="34" charset="0"/>
+                <a:cs typeface="Arial" panose="020B0604020202020204" pitchFamily="34" charset="0"/>
               </a:rPr>
               <a:t> Uma API de REST é uma API que se adéqua aos princípios de design do REST ou o estilo de arquitetura do </a:t>
             </a:r>
             <a:r>
               <a:rPr lang="pt-BR" sz="2000" b="0" i="1" dirty="0">
                 <a:effectLst/>
-                <a:latin typeface="inherit"/>
+                <a:latin typeface="Arial" panose="020B0604020202020204" pitchFamily="34" charset="0"/>
+                <a:cs typeface="Arial" panose="020B0604020202020204" pitchFamily="34" charset="0"/>
               </a:rPr>
               <a:t>Representational State Transfer. </a:t>
             </a:r>
             <a:r>
               <a:rPr lang="pt-BR" sz="2000" b="0" i="0" dirty="0">
                 <a:effectLst/>
-                <a:latin typeface="inherit"/>
+                <a:latin typeface="Arial" panose="020B0604020202020204" pitchFamily="34" charset="0"/>
+                <a:cs typeface="Arial" panose="020B0604020202020204" pitchFamily="34" charset="0"/>
               </a:rPr>
               <a:t> Por esta razão, as APIs de REST são muitas vezes chamadas de APIs de RESTful</a:t>
             </a:r>
             <a:r>
               <a:rPr lang="pt-BR" sz="2000" b="0" i="1" dirty="0">
                 <a:effectLst/>
-                <a:latin typeface="inherit"/>
+                <a:latin typeface="Arial" panose="020B0604020202020204" pitchFamily="34" charset="0"/>
+                <a:cs typeface="Arial" panose="020B0604020202020204" pitchFamily="34" charset="0"/>
               </a:rPr>
               <a:t>.</a:t>
+            </a:r>
+            <a:r>
+              <a:rPr lang="pt-BR" b="0" i="0" dirty="0">
+                <a:solidFill>
+                  <a:srgbClr val="161616"/>
+                </a:solidFill>
+                <a:effectLst/>
+                <a:latin typeface="Arial" panose="020B0604020202020204" pitchFamily="34" charset="0"/>
+                <a:cs typeface="Arial" panose="020B0604020202020204" pitchFamily="34" charset="0"/>
+              </a:rPr>
+              <a:t/>
             </a:r>
             <a:br>
               <a:rPr lang="pt-BR" b="0" i="0" dirty="0">
@@ -12896,7 +12940,8 @@
                   <a:srgbClr val="161616"/>
                 </a:solidFill>
                 <a:effectLst/>
-                <a:latin typeface="IBM Plex Sans" panose="020B0503050203000203" pitchFamily="34" charset="0"/>
+                <a:latin typeface="Arial" panose="020B0604020202020204" pitchFamily="34" charset="0"/>
+                <a:cs typeface="Arial" panose="020B0604020202020204" pitchFamily="34" charset="0"/>
               </a:rPr>
             </a:br>
             <a:endParaRPr lang="pt-BR" b="0" i="0" dirty="0">
@@ -12904,7 +12949,8 @@
                 <a:srgbClr val="161616"/>
               </a:solidFill>
               <a:effectLst/>
-              <a:latin typeface="IBM Plex Sans" panose="020B0503050203000203" pitchFamily="34" charset="0"/>
+              <a:latin typeface="Arial" panose="020B0604020202020204" pitchFamily="34" charset="0"/>
+              <a:cs typeface="Arial" panose="020B0604020202020204" pitchFamily="34" charset="0"/>
             </a:endParaRPr>
           </a:p>
         </p:txBody>
@@ -12931,6 +12977,13 @@
       </p:transition>
     </mc:Fallback>
   </mc:AlternateContent>
+  <p:timing>
+    <p:tnLst>
+      <p:par>
+        <p:cTn id="1" dur="indefinite" restart="never" nodeType="tmRoot"/>
+      </p:par>
+    </p:tnLst>
+  </p:timing>
 </p:sld>
 </file>
 
@@ -12956,7 +13009,7 @@
           <p:cNvPr id="2" name="Título 1">
             <a:extLst>
               <a:ext uri="{FF2B5EF4-FFF2-40B4-BE49-F238E27FC236}">
-                <a16:creationId xmlns:a16="http://schemas.microsoft.com/office/drawing/2014/main" id="{D912732C-E73F-F50C-AA42-008CD087DEBF}"/>
+                <a16:creationId xmlns="" xmlns:a16="http://schemas.microsoft.com/office/drawing/2014/main" id="{D912732C-E73F-F50C-AA42-008CD087DEBF}"/>
               </a:ext>
             </a:extLst>
           </p:cNvPr>
@@ -12978,7 +13031,8 @@
             <a:r>
               <a:rPr lang="pt-BR" sz="2400" b="1" i="0" dirty="0">
                 <a:effectLst/>
-                <a:latin typeface="Montserrat" panose="00000500000000000000" pitchFamily="2" charset="0"/>
+                <a:latin typeface="Arial" panose="020B0604020202020204" pitchFamily="34" charset="0"/>
+                <a:cs typeface="Arial" panose="020B0604020202020204" pitchFamily="34" charset="0"/>
               </a:rPr>
               <a:t>O que é REST?</a:t>
             </a:r>
@@ -12990,7 +13044,7 @@
           <p:cNvPr id="3" name="Espaço Reservado para Conteúdo 2">
             <a:extLst>
               <a:ext uri="{FF2B5EF4-FFF2-40B4-BE49-F238E27FC236}">
-                <a16:creationId xmlns:a16="http://schemas.microsoft.com/office/drawing/2014/main" id="{DEED0E72-B7CB-07EC-41D1-413D1AEBDE59}"/>
+                <a16:creationId xmlns="" xmlns:a16="http://schemas.microsoft.com/office/drawing/2014/main" id="{DEED0E72-B7CB-07EC-41D1-413D1AEBDE59}"/>
               </a:ext>
             </a:extLst>
           </p:cNvPr>
@@ -13017,49 +13071,56 @@
             <a:r>
               <a:rPr lang="pt-BR" sz="2000" b="0" i="0" dirty="0">
                 <a:effectLst/>
-                <a:latin typeface="Montserrat" panose="020F0502020204030204" pitchFamily="2" charset="0"/>
+                <a:latin typeface="Arial" panose="020B0604020202020204" pitchFamily="34" charset="0"/>
+                <a:cs typeface="Arial" panose="020B0604020202020204" pitchFamily="34" charset="0"/>
               </a:rPr>
               <a:t>No mundo da programação, o conceito de </a:t>
             </a:r>
             <a:r>
               <a:rPr lang="pt-BR" sz="2000" b="1" i="0" dirty="0">
                 <a:effectLst/>
-                <a:latin typeface="Montserrat" panose="020F0502020204030204" pitchFamily="2" charset="0"/>
+                <a:latin typeface="Arial" panose="020B0604020202020204" pitchFamily="34" charset="0"/>
+                <a:cs typeface="Arial" panose="020B0604020202020204" pitchFamily="34" charset="0"/>
               </a:rPr>
               <a:t>REST</a:t>
             </a:r>
             <a:r>
               <a:rPr lang="pt-BR" sz="2000" b="0" i="0" dirty="0">
                 <a:effectLst/>
-                <a:latin typeface="Montserrat" panose="020F0502020204030204" pitchFamily="2" charset="0"/>
+                <a:latin typeface="Arial" panose="020B0604020202020204" pitchFamily="34" charset="0"/>
+                <a:cs typeface="Arial" panose="020B0604020202020204" pitchFamily="34" charset="0"/>
               </a:rPr>
               <a:t> (</a:t>
             </a:r>
             <a:r>
               <a:rPr lang="pt-BR" sz="2000" b="0" i="1" dirty="0">
                 <a:effectLst/>
-                <a:latin typeface="Montserrat" panose="020F0502020204030204" pitchFamily="2" charset="0"/>
+                <a:latin typeface="Arial" panose="020B0604020202020204" pitchFamily="34" charset="0"/>
+                <a:cs typeface="Arial" panose="020B0604020202020204" pitchFamily="34" charset="0"/>
               </a:rPr>
               <a:t>Representational State Transfer</a:t>
             </a:r>
             <a:r>
               <a:rPr lang="pt-BR" sz="2000" b="0" i="0" dirty="0">
                 <a:effectLst/>
-                <a:latin typeface="Montserrat" panose="020F0502020204030204" pitchFamily="2" charset="0"/>
+                <a:latin typeface="Arial" panose="020B0604020202020204" pitchFamily="34" charset="0"/>
+                <a:cs typeface="Arial" panose="020B0604020202020204" pitchFamily="34" charset="0"/>
               </a:rPr>
               <a:t>) se aplica à construção de Aplicações Web, como softwares e sites, consistindo em um protocolo sobre a </a:t>
             </a:r>
             <a:r>
               <a:rPr lang="pt-BR" sz="2000" b="1" i="0" dirty="0">
                 <a:effectLst/>
-                <a:latin typeface="Montserrat" panose="020F0502020204030204" pitchFamily="2" charset="0"/>
+                <a:latin typeface="Arial" panose="020B0604020202020204" pitchFamily="34" charset="0"/>
+                <a:cs typeface="Arial" panose="020B0604020202020204" pitchFamily="34" charset="0"/>
               </a:rPr>
               <a:t>Arquitetura da Informação</a:t>
             </a:r>
             <a:r>
               <a:rPr lang="pt-BR" sz="2000" b="0" i="0" dirty="0">
                 <a:effectLst/>
-                <a:latin typeface="Montserrat" panose="020F0502020204030204" pitchFamily="2" charset="0"/>
+                <a:latin typeface="Arial" panose="020B0604020202020204" pitchFamily="34" charset="0"/>
+                <a:cs typeface="Arial" panose="020B0604020202020204" pitchFamily="34" charset="0"/>
               </a:rPr>
               <a:t>.</a:t>
             </a:r>
@@ -13069,21 +13130,24 @@
             <a:r>
               <a:rPr lang="pt-BR" sz="2000" b="0" i="0" dirty="0">
                 <a:effectLst/>
-                <a:latin typeface="Montserrat" panose="020F0502020204030204" pitchFamily="2" charset="0"/>
+                <a:latin typeface="Arial" panose="020B0604020202020204" pitchFamily="34" charset="0"/>
+                <a:cs typeface="Arial" panose="020B0604020202020204" pitchFamily="34" charset="0"/>
               </a:rPr>
               <a:t>Em outras palavras, a arquitetura de softwares visa que os programadores utilizem algumas regras para uma </a:t>
             </a:r>
             <a:r>
               <a:rPr lang="pt-BR" sz="2000" b="1" i="0" dirty="0">
                 <a:effectLst/>
-                <a:latin typeface="Montserrat" panose="020F0502020204030204" pitchFamily="2" charset="0"/>
+                <a:latin typeface="Arial" panose="020B0604020202020204" pitchFamily="34" charset="0"/>
+                <a:cs typeface="Arial" panose="020B0604020202020204" pitchFamily="34" charset="0"/>
               </a:rPr>
               <a:t>hierarquia bem organizada</a:t>
             </a:r>
             <a:r>
               <a:rPr lang="pt-BR" sz="2000" b="0" i="0" dirty="0">
                 <a:effectLst/>
-                <a:latin typeface="Montserrat" panose="020F0502020204030204" pitchFamily="2" charset="0"/>
+                <a:latin typeface="Arial" panose="020B0604020202020204" pitchFamily="34" charset="0"/>
+                <a:cs typeface="Arial" panose="020B0604020202020204" pitchFamily="34" charset="0"/>
               </a:rPr>
               <a:t> do código.</a:t>
             </a:r>
@@ -13112,6 +13176,13 @@
       </p:transition>
     </mc:Fallback>
   </mc:AlternateContent>
+  <p:timing>
+    <p:tnLst>
+      <p:par>
+        <p:cTn id="1" dur="indefinite" restart="never" nodeType="tmRoot"/>
+      </p:par>
+    </p:tnLst>
+  </p:timing>
 </p:sld>
 </file>
 
@@ -13137,7 +13208,7 @@
           <p:cNvPr id="2" name="Título 1">
             <a:extLst>
               <a:ext uri="{FF2B5EF4-FFF2-40B4-BE49-F238E27FC236}">
-                <a16:creationId xmlns:a16="http://schemas.microsoft.com/office/drawing/2014/main" id="{4986B7D9-4B3D-1631-5F79-55F407B3D628}"/>
+                <a16:creationId xmlns="" xmlns:a16="http://schemas.microsoft.com/office/drawing/2014/main" id="{4986B7D9-4B3D-1631-5F79-55F407B3D628}"/>
               </a:ext>
             </a:extLst>
           </p:cNvPr>
@@ -13158,27 +13229,31 @@
                 <a:effectLst/>
                 <a:latin typeface="Arial" panose="020B0604020202020204" pitchFamily="34" charset="0"/>
                 <a:ea typeface="Times New Roman" panose="02020603050405020304" pitchFamily="18" charset="0"/>
-                <a:cs typeface="Times New Roman" panose="02020603050405020304" pitchFamily="18" charset="0"/>
+                <a:cs typeface="Arial" panose="020B0604020202020204" pitchFamily="34" charset="0"/>
               </a:rPr>
-              <a:t>Como as APIs de REST funcionam</a:t>
-            </a:r>
-            <a:r>
-              <a:rPr lang="pt-BR" sz="2400" b="1" kern="0" dirty="0">
+              <a:t>Como as APIs de REST funcionam?</a:t>
+            </a:r>
+            <a:r>
+              <a:rPr lang="pt-BR" sz="1800" kern="100" dirty="0">
                 <a:effectLst/>
                 <a:latin typeface="Arial" panose="020B0604020202020204" pitchFamily="34" charset="0"/>
-                <a:ea typeface="Times New Roman" panose="02020603050405020304" pitchFamily="18" charset="0"/>
+                <a:ea typeface="Calibri" panose="020F0502020204030204" pitchFamily="34" charset="0"/>
+                <a:cs typeface="Arial" panose="020B0604020202020204" pitchFamily="34" charset="0"/>
               </a:rPr>
-              <a:t>?</a:t>
+              <a:t/>
             </a:r>
             <a:br>
               <a:rPr lang="pt-BR" sz="1800" kern="100" dirty="0">
                 <a:effectLst/>
-                <a:latin typeface="Calibri" panose="020F0502020204030204" pitchFamily="34" charset="0"/>
+                <a:latin typeface="Arial" panose="020B0604020202020204" pitchFamily="34" charset="0"/>
                 <a:ea typeface="Calibri" panose="020F0502020204030204" pitchFamily="34" charset="0"/>
-                <a:cs typeface="Times New Roman" panose="02020603050405020304" pitchFamily="18" charset="0"/>
+                <a:cs typeface="Arial" panose="020B0604020202020204" pitchFamily="34" charset="0"/>
               </a:rPr>
             </a:br>
-            <a:endParaRPr lang="pt-BR" dirty="0"/>
+            <a:endParaRPr lang="pt-BR" dirty="0">
+              <a:latin typeface="Arial" panose="020B0604020202020204" pitchFamily="34" charset="0"/>
+              <a:cs typeface="Arial" panose="020B0604020202020204" pitchFamily="34" charset="0"/>
+            </a:endParaRPr>
           </a:p>
         </p:txBody>
       </p:sp>
@@ -13187,7 +13262,7 @@
           <p:cNvPr id="3" name="Espaço Reservado para Conteúdo 2">
             <a:extLst>
               <a:ext uri="{FF2B5EF4-FFF2-40B4-BE49-F238E27FC236}">
-                <a16:creationId xmlns:a16="http://schemas.microsoft.com/office/drawing/2014/main" id="{974D6E38-5692-8A86-4268-862908FA6561}"/>
+                <a16:creationId xmlns="" xmlns:a16="http://schemas.microsoft.com/office/drawing/2014/main" id="{974D6E38-5692-8A86-4268-862908FA6561}"/>
               </a:ext>
             </a:extLst>
           </p:cNvPr>
@@ -13207,25 +13282,35 @@
           <a:p>
             <a:r>
               <a:rPr lang="pt-BR" sz="2000" dirty="0">
-                <a:latin typeface="IBM Plex Sans" panose="020B0503050203000203" pitchFamily="34" charset="0"/>
+                <a:latin typeface="Arial" panose="020B0604020202020204" pitchFamily="34" charset="0"/>
+                <a:cs typeface="Arial" panose="020B0604020202020204" pitchFamily="34" charset="0"/>
               </a:rPr>
               <a:t>A</a:t>
+            </a:r>
+            <a:r>
+              <a:rPr lang="pt-BR" sz="2000" b="0" i="0" dirty="0">
+                <a:effectLst/>
+                <a:latin typeface="Arial" panose="020B0604020202020204" pitchFamily="34" charset="0"/>
+                <a:cs typeface="Arial" panose="020B0604020202020204" pitchFamily="34" charset="0"/>
+              </a:rPr>
+              <a:t>s APIs de REST se comunicam via solicitações de HTTP para executar funções padrão do banco de dados como criar, ler, atualizar e excluir registros em um recurso. </a:t>
+            </a:r>
+          </a:p>
+          <a:p>
+            <a:r>
+              <a:rPr lang="pt-BR" sz="2000" b="0" i="0" dirty="0">
+                <a:effectLst/>
+                <a:latin typeface="Arial" panose="020B0604020202020204" pitchFamily="34" charset="0"/>
+                <a:cs typeface="Arial" panose="020B0604020202020204" pitchFamily="34" charset="0"/>
+              </a:rPr>
+              <a:t>Por exemplo, uma API de REST usaria uma solicitação GET para recuperar um registro, uma solicitação POST para criar um registro, uma solicitação PUT para atualizar um registro e uma solicitação DELETE para excluir um registro. Todos os métodos HTTP podem ser usados em chamadas da API.</a:t>
             </a:r>
             <a:r>
               <a:rPr lang="pt-BR" sz="2000" b="0" i="0" dirty="0">
                 <a:effectLst/>
                 <a:latin typeface="IBM Plex Sans" panose="020B0503050203000203" pitchFamily="34" charset="0"/>
               </a:rPr>
-              <a:t>s APIs de REST se comunicam via solicitações de HTTP para executar funções padrão do banco de dados como criar, ler, atualizar e excluir registros em um recurso. </a:t>
-            </a:r>
-          </a:p>
-          <a:p>
-            <a:r>
-              <a:rPr lang="pt-BR" sz="2000" b="0" i="0" dirty="0">
-                <a:effectLst/>
-                <a:latin typeface="IBM Plex Sans" panose="020B0503050203000203" pitchFamily="34" charset="0"/>
-              </a:rPr>
-              <a:t>Por exemplo, uma API de REST usaria uma solicitação GET para recuperar um registro, uma solicitação POST para criar um registro, uma solicitação PUT para atualizar um registro e uma solicitação DELETE para excluir um registro. Todos os métodos HTTP podem ser usados em chamadas da API. </a:t>
+              <a:t> </a:t>
             </a:r>
           </a:p>
           <a:p>
@@ -13396,6 +13481,13 @@
       </p:transition>
     </mc:Fallback>
   </mc:AlternateContent>
+  <p:timing>
+    <p:tnLst>
+      <p:par>
+        <p:cTn id="1" dur="indefinite" restart="never" nodeType="tmRoot"/>
+      </p:par>
+    </p:tnLst>
+  </p:timing>
 </p:sld>
 </file>
 
@@ -13421,7 +13513,7 @@
           <p:cNvPr id="2" name="Título 1">
             <a:extLst>
               <a:ext uri="{FF2B5EF4-FFF2-40B4-BE49-F238E27FC236}">
-                <a16:creationId xmlns:a16="http://schemas.microsoft.com/office/drawing/2014/main" id="{B41291BA-3488-256C-A689-D48D0EB4E898}"/>
+                <a16:creationId xmlns="" xmlns:a16="http://schemas.microsoft.com/office/drawing/2014/main" id="{B41291BA-3488-256C-A689-D48D0EB4E898}"/>
               </a:ext>
             </a:extLst>
           </p:cNvPr>
@@ -13442,7 +13534,7 @@
                 <a:effectLst/>
                 <a:latin typeface="Arial" panose="020B0604020202020204" pitchFamily="34" charset="0"/>
                 <a:ea typeface="Times New Roman" panose="02020603050405020304" pitchFamily="18" charset="0"/>
-                <a:cs typeface="Times New Roman" panose="02020603050405020304" pitchFamily="18" charset="0"/>
+                <a:cs typeface="Arial" panose="020B0604020202020204" pitchFamily="34" charset="0"/>
               </a:rPr>
               <a:t>O que é o </a:t>
             </a:r>
@@ -13450,7 +13542,7 @@
               <a:rPr lang="pt-BR" sz="2400" b="1" kern="0" dirty="0">
                 <a:latin typeface="Arial" panose="020B0604020202020204" pitchFamily="34" charset="0"/>
                 <a:ea typeface="Times New Roman" panose="02020603050405020304" pitchFamily="18" charset="0"/>
-                <a:cs typeface="Times New Roman" panose="02020603050405020304" pitchFamily="18" charset="0"/>
+                <a:cs typeface="Arial" panose="020B0604020202020204" pitchFamily="34" charset="0"/>
               </a:rPr>
               <a:t>C</a:t>
             </a:r>
@@ -13459,27 +13551,31 @@
                 <a:effectLst/>
                 <a:latin typeface="Arial" panose="020B0604020202020204" pitchFamily="34" charset="0"/>
                 <a:ea typeface="Times New Roman" panose="02020603050405020304" pitchFamily="18" charset="0"/>
-                <a:cs typeface="Times New Roman" panose="02020603050405020304" pitchFamily="18" charset="0"/>
+                <a:cs typeface="Arial" panose="020B0604020202020204" pitchFamily="34" charset="0"/>
               </a:rPr>
-              <a:t>url</a:t>
-            </a:r>
-            <a:r>
-              <a:rPr lang="pt-BR" sz="2400" b="1" kern="0" dirty="0">
+              <a:t>url?</a:t>
+            </a:r>
+            <a:r>
+              <a:rPr lang="pt-BR" sz="1800" kern="100" dirty="0">
                 <a:effectLst/>
                 <a:latin typeface="Arial" panose="020B0604020202020204" pitchFamily="34" charset="0"/>
-                <a:ea typeface="Times New Roman" panose="02020603050405020304" pitchFamily="18" charset="0"/>
+                <a:ea typeface="Calibri" panose="020F0502020204030204" pitchFamily="34" charset="0"/>
+                <a:cs typeface="Arial" panose="020B0604020202020204" pitchFamily="34" charset="0"/>
               </a:rPr>
-              <a:t>?</a:t>
+              <a:t/>
             </a:r>
             <a:br>
               <a:rPr lang="pt-BR" sz="1800" kern="100" dirty="0">
                 <a:effectLst/>
-                <a:latin typeface="Calibri" panose="020F0502020204030204" pitchFamily="34" charset="0"/>
+                <a:latin typeface="Arial" panose="020B0604020202020204" pitchFamily="34" charset="0"/>
                 <a:ea typeface="Calibri" panose="020F0502020204030204" pitchFamily="34" charset="0"/>
-                <a:cs typeface="Times New Roman" panose="02020603050405020304" pitchFamily="18" charset="0"/>
+                <a:cs typeface="Arial" panose="020B0604020202020204" pitchFamily="34" charset="0"/>
               </a:rPr>
             </a:br>
-            <a:endParaRPr lang="pt-BR" dirty="0"/>
+            <a:endParaRPr lang="pt-BR" dirty="0">
+              <a:latin typeface="Arial" panose="020B0604020202020204" pitchFamily="34" charset="0"/>
+              <a:cs typeface="Arial" panose="020B0604020202020204" pitchFamily="34" charset="0"/>
+            </a:endParaRPr>
           </a:p>
         </p:txBody>
       </p:sp>
@@ -13488,7 +13584,7 @@
           <p:cNvPr id="3" name="Espaço Reservado para Conteúdo 2">
             <a:extLst>
               <a:ext uri="{FF2B5EF4-FFF2-40B4-BE49-F238E27FC236}">
-                <a16:creationId xmlns:a16="http://schemas.microsoft.com/office/drawing/2014/main" id="{AA90CDD4-42E7-7685-8757-B64EDA5971A1}"/>
+                <a16:creationId xmlns="" xmlns:a16="http://schemas.microsoft.com/office/drawing/2014/main" id="{AA90CDD4-42E7-7685-8757-B64EDA5971A1}"/>
               </a:ext>
             </a:extLst>
           </p:cNvPr>
@@ -13509,18 +13605,27 @@
             <a:r>
               <a:rPr lang="pt-BR" sz="2000" b="0" i="0" dirty="0">
                 <a:effectLst/>
-                <a:latin typeface="Roboto" panose="020F0502020204030204" pitchFamily="2" charset="0"/>
+                <a:latin typeface="Arial" panose="020B0604020202020204" pitchFamily="34" charset="0"/>
+                <a:cs typeface="Arial" panose="020B0604020202020204" pitchFamily="34" charset="0"/>
               </a:rPr>
               <a:t>CURL é um recurso de software de linha de comando usado para transferir dados a partir de uma URL. A CURL significa “cliente HTTP URL”, que é a forma completa da abreviação. </a:t>
             </a:r>
           </a:p>
           <a:p>
+            <a:r>
+              <a:rPr lang="pt-BR" sz="2000" b="0" i="0" dirty="0">
+                <a:effectLst/>
+                <a:latin typeface="Arial" panose="020B0604020202020204" pitchFamily="34" charset="0"/>
+                <a:cs typeface="Arial" panose="020B0604020202020204" pitchFamily="34" charset="0"/>
+              </a:rPr>
+              <a:t>O CURL é um dos softwares mais usados ​​para realizar solicitações HTTP, assim como baixar conteúdo de um site ou fazer upload de arquivos para um servidor. O CURL também é usado para automatizar tarefas no servidor</a:t>
+            </a:r>
             <a:r>
               <a:rPr lang="pt-BR" sz="2000" b="0" i="0" dirty="0">
                 <a:effectLst/>
                 <a:latin typeface="Roboto" panose="020F0502020204030204" pitchFamily="2" charset="0"/>
               </a:rPr>
-              <a:t>O CURL é um dos softwares mais usados ​​para realizar solicitações HTTP, assim como baixar conteúdo de um site ou fazer upload de arquivos para um servidor. O CURL também é usado para automatizar tarefas no servidor.</a:t>
+              <a:t>.</a:t>
             </a:r>
             <a:endParaRPr lang="pt-BR" sz="2000" dirty="0"/>
           </a:p>
@@ -13548,6 +13653,13 @@
       </p:transition>
     </mc:Fallback>
   </mc:AlternateContent>
+  <p:timing>
+    <p:tnLst>
+      <p:par>
+        <p:cTn id="1" dur="indefinite" restart="never" nodeType="tmRoot"/>
+      </p:par>
+    </p:tnLst>
+  </p:timing>
 </p:sld>
 </file>
 
@@ -13573,7 +13685,7 @@
           <p:cNvPr id="2" name="Título 1">
             <a:extLst>
               <a:ext uri="{FF2B5EF4-FFF2-40B4-BE49-F238E27FC236}">
-                <a16:creationId xmlns:a16="http://schemas.microsoft.com/office/drawing/2014/main" id="{19DBF9B9-D9C3-F045-D7D5-618270B5CE8D}"/>
+                <a16:creationId xmlns="" xmlns:a16="http://schemas.microsoft.com/office/drawing/2014/main" id="{19DBF9B9-D9C3-F045-D7D5-618270B5CE8D}"/>
               </a:ext>
             </a:extLst>
           </p:cNvPr>
@@ -13594,9 +13706,21 @@
                 <a:effectLst/>
                 <a:latin typeface="Arial" panose="020B0604020202020204" pitchFamily="34" charset="0"/>
                 <a:ea typeface="Times New Roman" panose="02020603050405020304" pitchFamily="18" charset="0"/>
-                <a:cs typeface="Times New Roman" panose="02020603050405020304" pitchFamily="18" charset="0"/>
+                <a:cs typeface="Arial" panose="020B0604020202020204" pitchFamily="34" charset="0"/>
               </a:rPr>
               <a:t>Como fazer uma requisição cURL com PHP (Rest API)</a:t>
+            </a:r>
+            <a:r>
+              <a:rPr lang="pt-BR" sz="1800" b="1" kern="100" dirty="0">
+                <a:solidFill>
+                  <a:srgbClr val="2F5496"/>
+                </a:solidFill>
+                <a:effectLst/>
+                <a:latin typeface="Arial" panose="020B0604020202020204" pitchFamily="34" charset="0"/>
+                <a:ea typeface="Times New Roman" panose="02020603050405020304" pitchFamily="18" charset="0"/>
+                <a:cs typeface="Arial" panose="020B0604020202020204" pitchFamily="34" charset="0"/>
+              </a:rPr>
+              <a:t/>
             </a:r>
             <a:br>
               <a:rPr lang="pt-BR" sz="1800" b="1" kern="100" dirty="0">
@@ -13604,12 +13728,15 @@
                   <a:srgbClr val="2F5496"/>
                 </a:solidFill>
                 <a:effectLst/>
-                <a:latin typeface="Calibri Light" panose="020F0302020204030204" pitchFamily="34" charset="0"/>
+                <a:latin typeface="Arial" panose="020B0604020202020204" pitchFamily="34" charset="0"/>
                 <a:ea typeface="Times New Roman" panose="02020603050405020304" pitchFamily="18" charset="0"/>
-                <a:cs typeface="Times New Roman" panose="02020603050405020304" pitchFamily="18" charset="0"/>
+                <a:cs typeface="Arial" panose="020B0604020202020204" pitchFamily="34" charset="0"/>
               </a:rPr>
             </a:br>
-            <a:endParaRPr lang="pt-BR" dirty="0"/>
+            <a:endParaRPr lang="pt-BR" dirty="0">
+              <a:latin typeface="Arial" panose="020B0604020202020204" pitchFamily="34" charset="0"/>
+              <a:cs typeface="Arial" panose="020B0604020202020204" pitchFamily="34" charset="0"/>
+            </a:endParaRPr>
           </a:p>
         </p:txBody>
       </p:sp>
@@ -13618,7 +13745,7 @@
           <p:cNvPr id="4" name="Rectangle 1">
             <a:extLst>
               <a:ext uri="{FF2B5EF4-FFF2-40B4-BE49-F238E27FC236}">
-                <a16:creationId xmlns:a16="http://schemas.microsoft.com/office/drawing/2014/main" id="{760E6906-D1E5-0169-C38B-A52AE9C9EBC3}"/>
+                <a16:creationId xmlns="" xmlns:a16="http://schemas.microsoft.com/office/drawing/2014/main" id="{760E6906-D1E5-0169-C38B-A52AE9C9EBC3}"/>
               </a:ext>
             </a:extLst>
           </p:cNvPr>
@@ -13759,7 +13886,10 @@
               <a:t>Em seguida você pode chamar a função curl_exec para enviar a requisição e obter a resposta</a:t>
             </a:r>
             <a:r>
-              <a:rPr lang="en-US" altLang="pt-BR" sz="2000" dirty="0">
+              <a:rPr lang="pt-BR" altLang="pt-BR" sz="2000" dirty="0">
+                <a:solidFill>
+                  <a:srgbClr val="212121"/>
+                </a:solidFill>
                 <a:latin typeface="Arial" panose="020B0604020202020204" pitchFamily="34" charset="0"/>
                 <a:ea typeface="Times New Roman" panose="02020603050405020304" pitchFamily="18" charset="0"/>
                 <a:cs typeface="Arial" panose="020B0604020202020204" pitchFamily="34" charset="0"/>
@@ -13770,6 +13900,9 @@
               <a:ln>
                 <a:noFill/>
               </a:ln>
+              <a:solidFill>
+                <a:schemeClr val="tx1"/>
+              </a:solidFill>
               <a:effectLst/>
               <a:latin typeface="Arial" panose="020B0604020202020204" pitchFamily="34" charset="0"/>
             </a:endParaRPr>
@@ -13798,6 +13931,13 @@
       </p:transition>
     </mc:Fallback>
   </mc:AlternateContent>
+  <p:timing>
+    <p:tnLst>
+      <p:par>
+        <p:cTn id="1" dur="indefinite" restart="never" nodeType="tmRoot"/>
+      </p:par>
+    </p:tnLst>
+  </p:timing>
 </p:sld>
 </file>
 
@@ -13823,7 +13963,7 @@
           <p:cNvPr id="2" name="Título 1">
             <a:extLst>
               <a:ext uri="{FF2B5EF4-FFF2-40B4-BE49-F238E27FC236}">
-                <a16:creationId xmlns:a16="http://schemas.microsoft.com/office/drawing/2014/main" id="{05E4F81D-7F4D-5AC0-B279-5839606440D7}"/>
+                <a16:creationId xmlns="" xmlns:a16="http://schemas.microsoft.com/office/drawing/2014/main" id="{05E4F81D-7F4D-5AC0-B279-5839606440D7}"/>
               </a:ext>
             </a:extLst>
           </p:cNvPr>
@@ -13863,7 +14003,7 @@
           <p:cNvPr id="3" name="Espaço Reservado para Conteúdo 2">
             <a:extLst>
               <a:ext uri="{FF2B5EF4-FFF2-40B4-BE49-F238E27FC236}">
-                <a16:creationId xmlns:a16="http://schemas.microsoft.com/office/drawing/2014/main" id="{2A8FA322-85C8-3D44-D1CC-62B6A30D99AE}"/>
+                <a16:creationId xmlns="" xmlns:a16="http://schemas.microsoft.com/office/drawing/2014/main" id="{2A8FA322-85C8-3D44-D1CC-62B6A30D99AE}"/>
               </a:ext>
             </a:extLst>
           </p:cNvPr>
@@ -14144,6 +14284,13 @@
       </p:transition>
     </mc:Fallback>
   </mc:AlternateContent>
+  <p:timing>
+    <p:tnLst>
+      <p:par>
+        <p:cTn id="1" dur="indefinite" restart="never" nodeType="tmRoot"/>
+      </p:par>
+    </p:tnLst>
+  </p:timing>
 </p:sld>
 </file>
 
@@ -14169,7 +14316,7 @@
           <p:cNvPr id="2" name="Título 1">
             <a:extLst>
               <a:ext uri="{FF2B5EF4-FFF2-40B4-BE49-F238E27FC236}">
-                <a16:creationId xmlns:a16="http://schemas.microsoft.com/office/drawing/2014/main" id="{C2F8A1D4-A42B-7DDF-BE28-CD20EB8B5B04}"/>
+                <a16:creationId xmlns="" xmlns:a16="http://schemas.microsoft.com/office/drawing/2014/main" id="{C2F8A1D4-A42B-7DDF-BE28-CD20EB8B5B04}"/>
               </a:ext>
             </a:extLst>
           </p:cNvPr>
@@ -14213,7 +14360,7 @@
           <p:cNvPr id="3" name="Espaço Reservado para Conteúdo 2">
             <a:extLst>
               <a:ext uri="{FF2B5EF4-FFF2-40B4-BE49-F238E27FC236}">
-                <a16:creationId xmlns:a16="http://schemas.microsoft.com/office/drawing/2014/main" id="{D67C95F4-A9F2-5065-5622-FDB2CA4A393B}"/>
+                <a16:creationId xmlns="" xmlns:a16="http://schemas.microsoft.com/office/drawing/2014/main" id="{D67C95F4-A9F2-5065-5622-FDB2CA4A393B}"/>
               </a:ext>
             </a:extLst>
           </p:cNvPr>
@@ -14232,7 +14379,7 @@
         </p:spPr>
         <p:txBody>
           <a:bodyPr>
-            <a:normAutofit/>
+            <a:normAutofit lnSpcReduction="10000"/>
           </a:bodyPr>
           <a:lstStyle/>
           <a:p>
@@ -14250,8 +14397,8 @@
               <a:buNone/>
             </a:pPr>
             <a:r>
-              <a:rPr lang="pt-BR" sz="4800" b="1" dirty="0" err="1"/>
-              <a:t>pnead</a:t>
+              <a:rPr lang="en-US" sz="4800" b="1"/>
+              <a:t>PNEAD</a:t>
             </a:r>
             <a:endParaRPr lang="pt-BR" sz="4800" b="1" dirty="0"/>
           </a:p>
@@ -14279,6 +14426,13 @@
       </p:transition>
     </mc:Fallback>
   </mc:AlternateContent>
+  <p:timing>
+    <p:tnLst>
+      <p:par>
+        <p:cTn id="1" dur="indefinite" restart="never" nodeType="tmRoot"/>
+      </p:par>
+    </p:tnLst>
+  </p:timing>
 </p:sld>
 </file>
 
@@ -14527,7 +14681,7 @@
   <a:extraClrSchemeLst/>
   <a:extLst>
     <a:ext uri="{05A4C25C-085E-4340-85A3-A5531E510DB2}">
-      <thm15:themeFamily xmlns:thm15="http://schemas.microsoft.com/office/thememl/2012/main" name="Circuit" id="{0AC2F7E7-15F5-431C-B2A2-456FE929F56C}" vid="{142578CA-DEC9-49C3-80AF-C113973CC9A9}"/>
+      <thm15:themeFamily xmlns="" xmlns:thm15="http://schemas.microsoft.com/office/thememl/2012/main" name="Circuit" id="{0AC2F7E7-15F5-431C-B2A2-456FE929F56C}" vid="{142578CA-DEC9-49C3-80AF-C113973CC9A9}"/>
     </a:ext>
   </a:extLst>
 </a:theme>
